--- a/gjhDemo/git.pptx
+++ b/gjhDemo/git.pptx
@@ -6285,10 +6285,18 @@
         </p:nvSpPr>
         <p:spPr/>
         <p:txBody>
-          <a:bodyPr/>
-          <a:p>
-            <a:r>
-              <a:rPr lang="en-US" altLang="zh-CN" sz="2000"/>
+          <a:bodyPr>
+            <a:normAutofit fontScale="70000"/>
+          </a:bodyPr>
+          <a:p>
+            <a:pPr>
+              <a:buFont typeface="Wingdings" panose="05000000000000000000" charset="0"/>
+              <a:buChar char="ü"/>
+            </a:pPr>
+            <a:r>
+              <a:rPr lang="en-US" altLang="zh-CN" sz="2000">
+                <a:sym typeface="+mn-ea"/>
+              </a:rPr>
               <a:t>git clone</a:t>
             </a:r>
             <a:endParaRPr lang="en-US" altLang="zh-CN" sz="2000"/>
@@ -6298,14 +6306,251 @@
               <a:buNone/>
             </a:pPr>
             <a:r>
-              <a:rPr lang="en-US" altLang="zh-CN" sz="1400">
+              <a:rPr lang="en-US" altLang="zh-CN" sz="2000">
                 <a:solidFill>
                   <a:schemeClr val="tx1"/>
                 </a:solidFill>
                 <a:latin typeface="宋体" panose="02010600030101010101" pitchFamily="2" charset="-122"/>
                 <a:ea typeface="宋体" panose="02010600030101010101" pitchFamily="2" charset="-122"/>
+                <a:sym typeface="+mn-ea"/>
               </a:rPr>
-              <a:t>获取一个url对应的远程Git repo, 创建一个local copy.一般的格式是git clone [url]. clone下来的repo会以url最后一个斜线后面的名称命名,创建一个文件夹,如果想要指定特定的名称,可以git clone [url] newname指定.</a:t>
+              <a:t>获取一个url对应的远程Git repo, 创建一个local copy.一般的格式是git clone [url]. clone下</a:t>
+            </a:r>
+            <a:endParaRPr lang="en-US" altLang="zh-CN" sz="2000">
+              <a:solidFill>
+                <a:schemeClr val="tx1"/>
+              </a:solidFill>
+              <a:latin typeface="宋体" panose="02010600030101010101" pitchFamily="2" charset="-122"/>
+              <a:ea typeface="宋体" panose="02010600030101010101" pitchFamily="2" charset="-122"/>
+            </a:endParaRPr>
+          </a:p>
+          <a:p>
+            <a:pPr marL="0" indent="0">
+              <a:buNone/>
+            </a:pPr>
+            <a:r>
+              <a:rPr lang="en-US" altLang="zh-CN" sz="2000">
+                <a:solidFill>
+                  <a:schemeClr val="tx1"/>
+                </a:solidFill>
+                <a:latin typeface="宋体" panose="02010600030101010101" pitchFamily="2" charset="-122"/>
+                <a:ea typeface="宋体" panose="02010600030101010101" pitchFamily="2" charset="-122"/>
+                <a:sym typeface="+mn-ea"/>
+              </a:rPr>
+              <a:t>来的repo会以url最后一个斜线后面的名称命名,创建一个文件夹,如果想要指定特定的名称,可以</a:t>
+            </a:r>
+            <a:endParaRPr lang="en-US" altLang="zh-CN" sz="2000">
+              <a:solidFill>
+                <a:schemeClr val="tx1"/>
+              </a:solidFill>
+              <a:latin typeface="宋体" panose="02010600030101010101" pitchFamily="2" charset="-122"/>
+              <a:ea typeface="宋体" panose="02010600030101010101" pitchFamily="2" charset="-122"/>
+            </a:endParaRPr>
+          </a:p>
+          <a:p>
+            <a:pPr marL="0" indent="0">
+              <a:buNone/>
+            </a:pPr>
+            <a:r>
+              <a:rPr lang="en-US" altLang="zh-CN" sz="2000">
+                <a:solidFill>
+                  <a:schemeClr val="tx1"/>
+                </a:solidFill>
+                <a:latin typeface="宋体" panose="02010600030101010101" pitchFamily="2" charset="-122"/>
+                <a:ea typeface="宋体" panose="02010600030101010101" pitchFamily="2" charset="-122"/>
+                <a:sym typeface="+mn-ea"/>
+              </a:rPr>
+              <a:t>git clone [url] newname指定.</a:t>
+            </a:r>
+            <a:endParaRPr lang="en-US" altLang="zh-CN" sz="2000">
+              <a:solidFill>
+                <a:schemeClr val="tx1"/>
+              </a:solidFill>
+              <a:latin typeface="宋体" panose="02010600030101010101" pitchFamily="2" charset="-122"/>
+              <a:ea typeface="宋体" panose="02010600030101010101" pitchFamily="2" charset="-122"/>
+            </a:endParaRPr>
+          </a:p>
+          <a:p>
+            <a:pPr>
+              <a:buFont typeface="Wingdings" panose="05000000000000000000" charset="0"/>
+              <a:buChar char="ü"/>
+            </a:pPr>
+            <a:r>
+              <a:rPr lang="en-US" altLang="zh-CN" sz="2000">
+                <a:sym typeface="+mn-ea"/>
+              </a:rPr>
+              <a:t>git add</a:t>
+            </a:r>
+            <a:endParaRPr lang="en-US" altLang="zh-CN" sz="2000"/>
+          </a:p>
+          <a:p>
+            <a:pPr marL="0" indent="0">
+              <a:buFont typeface="Wingdings" panose="05000000000000000000" charset="0"/>
+              <a:buNone/>
+            </a:pPr>
+            <a:r>
+              <a:rPr lang="en-US" altLang="zh-CN" sz="2000">
+                <a:solidFill>
+                  <a:schemeClr val="tx1"/>
+                </a:solidFill>
+                <a:latin typeface="宋体" panose="02010600030101010101" pitchFamily="2" charset="-122"/>
+                <a:ea typeface="宋体" panose="02010600030101010101" pitchFamily="2" charset="-122"/>
+                <a:sym typeface="+mn-ea"/>
+              </a:rPr>
+              <a:t>在提交之前,Git有一个暂存区(staging area),可以放入新添加的文件或者加入新的改动. commit</a:t>
+            </a:r>
+            <a:endParaRPr lang="en-US" altLang="zh-CN" sz="2000">
+              <a:solidFill>
+                <a:schemeClr val="tx1"/>
+              </a:solidFill>
+              <a:latin typeface="宋体" panose="02010600030101010101" pitchFamily="2" charset="-122"/>
+              <a:ea typeface="宋体" panose="02010600030101010101" pitchFamily="2" charset="-122"/>
+            </a:endParaRPr>
+          </a:p>
+          <a:p>
+            <a:pPr marL="0" indent="0">
+              <a:buFont typeface="Wingdings" panose="05000000000000000000" charset="0"/>
+              <a:buNone/>
+            </a:pPr>
+            <a:r>
+              <a:rPr lang="en-US" altLang="zh-CN" sz="2000">
+                <a:solidFill>
+                  <a:schemeClr val="tx1"/>
+                </a:solidFill>
+                <a:latin typeface="宋体" panose="02010600030101010101" pitchFamily="2" charset="-122"/>
+                <a:ea typeface="宋体" panose="02010600030101010101" pitchFamily="2" charset="-122"/>
+                <a:sym typeface="+mn-ea"/>
+              </a:rPr>
+              <a:t>时提交的改动是上一次加入到staging area中的改动,而不是我们disk上的改动.git add .会递归</a:t>
+            </a:r>
+            <a:endParaRPr lang="en-US" altLang="zh-CN" sz="2000">
+              <a:solidFill>
+                <a:schemeClr val="tx1"/>
+              </a:solidFill>
+              <a:latin typeface="宋体" panose="02010600030101010101" pitchFamily="2" charset="-122"/>
+              <a:ea typeface="宋体" panose="02010600030101010101" pitchFamily="2" charset="-122"/>
+            </a:endParaRPr>
+          </a:p>
+          <a:p>
+            <a:pPr marL="0" indent="0">
+              <a:buFont typeface="Wingdings" panose="05000000000000000000" charset="0"/>
+              <a:buNone/>
+            </a:pPr>
+            <a:r>
+              <a:rPr lang="en-US" altLang="zh-CN" sz="2000">
+                <a:solidFill>
+                  <a:schemeClr val="tx1"/>
+                </a:solidFill>
+                <a:latin typeface="宋体" panose="02010600030101010101" pitchFamily="2" charset="-122"/>
+                <a:ea typeface="宋体" panose="02010600030101010101" pitchFamily="2" charset="-122"/>
+                <a:sym typeface="+mn-ea"/>
+              </a:rPr>
+              <a:t>地添加当前工作目录中的所有文件.</a:t>
+            </a:r>
+            <a:endParaRPr lang="en-US" altLang="zh-CN" sz="2000">
+              <a:solidFill>
+                <a:schemeClr val="tx1"/>
+              </a:solidFill>
+              <a:latin typeface="宋体" panose="02010600030101010101" pitchFamily="2" charset="-122"/>
+              <a:ea typeface="宋体" panose="02010600030101010101" pitchFamily="2" charset="-122"/>
+            </a:endParaRPr>
+          </a:p>
+          <a:p>
+            <a:pPr>
+              <a:buFont typeface="Wingdings" panose="05000000000000000000" charset="0"/>
+              <a:buChar char="ü"/>
+            </a:pPr>
+            <a:r>
+              <a:rPr lang="en-US" altLang="zh-CN" sz="2000">
+                <a:sym typeface="+mn-ea"/>
+              </a:rPr>
+              <a:t>git commit</a:t>
+            </a:r>
+            <a:endParaRPr lang="en-US" altLang="zh-CN" sz="2000"/>
+          </a:p>
+          <a:p>
+            <a:pPr marL="0" indent="0">
+              <a:buNone/>
+            </a:pPr>
+            <a:r>
+              <a:rPr lang="en-US" altLang="zh-CN" sz="2000">
+                <a:solidFill>
+                  <a:schemeClr val="tx1"/>
+                </a:solidFill>
+                <a:latin typeface="宋体" panose="02010600030101010101" pitchFamily="2" charset="-122"/>
+                <a:ea typeface="宋体" panose="02010600030101010101" pitchFamily="2" charset="-122"/>
+                <a:sym typeface="+mn-ea"/>
+              </a:rPr>
+              <a:t>提交已经被add进来的改动.git commit -m “the commit message"git commit -a 会先把所有已</a:t>
+            </a:r>
+            <a:endParaRPr lang="en-US" altLang="zh-CN" sz="2000">
+              <a:solidFill>
+                <a:schemeClr val="tx1"/>
+              </a:solidFill>
+              <a:latin typeface="宋体" panose="02010600030101010101" pitchFamily="2" charset="-122"/>
+              <a:ea typeface="宋体" panose="02010600030101010101" pitchFamily="2" charset="-122"/>
+            </a:endParaRPr>
+          </a:p>
+          <a:p>
+            <a:pPr marL="0" indent="0">
+              <a:buNone/>
+            </a:pPr>
+            <a:r>
+              <a:rPr lang="en-US" altLang="zh-CN" sz="2000">
+                <a:solidFill>
+                  <a:schemeClr val="tx1"/>
+                </a:solidFill>
+                <a:latin typeface="宋体" panose="02010600030101010101" pitchFamily="2" charset="-122"/>
+                <a:ea typeface="宋体" panose="02010600030101010101" pitchFamily="2" charset="-122"/>
+                <a:sym typeface="+mn-ea"/>
+              </a:rPr>
+              <a:t>经track的文件的改动add进来,然后提交(有点像svn的一次提交,不用先暂存). 对于没有track的文</a:t>
+            </a:r>
+            <a:endParaRPr lang="en-US" altLang="zh-CN" sz="2000">
+              <a:solidFill>
+                <a:schemeClr val="tx1"/>
+              </a:solidFill>
+              <a:latin typeface="宋体" panose="02010600030101010101" pitchFamily="2" charset="-122"/>
+              <a:ea typeface="宋体" panose="02010600030101010101" pitchFamily="2" charset="-122"/>
+            </a:endParaRPr>
+          </a:p>
+          <a:p>
+            <a:pPr marL="0" indent="0">
+              <a:buNone/>
+            </a:pPr>
+            <a:r>
+              <a:rPr lang="en-US" altLang="zh-CN" sz="2000">
+                <a:solidFill>
+                  <a:schemeClr val="tx1"/>
+                </a:solidFill>
+                <a:latin typeface="宋体" panose="02010600030101010101" pitchFamily="2" charset="-122"/>
+                <a:ea typeface="宋体" panose="02010600030101010101" pitchFamily="2" charset="-122"/>
+                <a:sym typeface="+mn-ea"/>
+              </a:rPr>
+              <a:t>件,还是需要git add一下.git commit --amend 增补提交. 会使用与当前提交节点相同的父节点进</a:t>
+            </a:r>
+            <a:endParaRPr lang="en-US" altLang="zh-CN" sz="2000">
+              <a:solidFill>
+                <a:schemeClr val="tx1"/>
+              </a:solidFill>
+              <a:latin typeface="宋体" panose="02010600030101010101" pitchFamily="2" charset="-122"/>
+              <a:ea typeface="宋体" panose="02010600030101010101" pitchFamily="2" charset="-122"/>
+            </a:endParaRPr>
+          </a:p>
+          <a:p>
+            <a:pPr marL="0" indent="0">
+              <a:buNone/>
+            </a:pPr>
+            <a:r>
+              <a:rPr lang="en-US" altLang="zh-CN" sz="2000">
+                <a:solidFill>
+                  <a:schemeClr val="tx1"/>
+                </a:solidFill>
+                <a:latin typeface="宋体" panose="02010600030101010101" pitchFamily="2" charset="-122"/>
+                <a:ea typeface="宋体" panose="02010600030101010101" pitchFamily="2" charset="-122"/>
+                <a:sym typeface="+mn-ea"/>
+              </a:rPr>
+              <a:t>行一次新的提交,旧的提交将会被取消.</a:t>
             </a:r>
             <a:endParaRPr lang="en-US" altLang="zh-CN" sz="1400">
               <a:solidFill>

--- a/gjhDemo/git.pptx
+++ b/gjhDemo/git.pptx
@@ -17,7 +17,9 @@
     <p:sldId id="328" r:id="rId10"/>
     <p:sldId id="329" r:id="rId11"/>
     <p:sldId id="331" r:id="rId12"/>
-    <p:sldId id="317" r:id="rId13"/>
+    <p:sldId id="333" r:id="rId13"/>
+    <p:sldId id="335" r:id="rId14"/>
+    <p:sldId id="317" r:id="rId15"/>
   </p:sldIdLst>
   <p:sldSz cx="9144000" cy="6858000" type="screen4x3"/>
   <p:notesSz cx="7103745" cy="10234295"/>
@@ -3600,6 +3602,646 @@
         <p:cNvGrpSpPr/>
         <p:nvPr/>
       </p:nvGrpSpPr>
+      <p:grpSpPr/>
+      <p:sp>
+        <p:nvSpPr>
+          <p:cNvPr id="2" name="标题 1"/>
+          <p:cNvSpPr>
+            <a:spLocks noGrp="1"/>
+          </p:cNvSpPr>
+          <p:nvPr>
+            <p:ph type="title"/>
+          </p:nvPr>
+        </p:nvSpPr>
+        <p:spPr/>
+        <p:txBody>
+          <a:bodyPr/>
+          <a:p>
+            <a:r>
+              <a:rPr lang="en-US" altLang="zh-CN"/>
+              <a:t>Git</a:t>
+            </a:r>
+            <a:r>
+              <a:rPr lang="zh-CN" altLang="en-US"/>
+              <a:t>常用命令</a:t>
+            </a:r>
+            <a:endParaRPr lang="zh-CN" altLang="en-US"/>
+          </a:p>
+        </p:txBody>
+      </p:sp>
+      <p:sp>
+        <p:nvSpPr>
+          <p:cNvPr id="3" name="内容占位符 2"/>
+          <p:cNvSpPr>
+            <a:spLocks noGrp="1"/>
+          </p:cNvSpPr>
+          <p:nvPr>
+            <p:ph idx="1"/>
+          </p:nvPr>
+        </p:nvSpPr>
+        <p:spPr>
+          <a:xfrm>
+            <a:off x="628650" y="1543050"/>
+            <a:ext cx="7886700" cy="5095240"/>
+          </a:xfrm>
+        </p:spPr>
+        <p:txBody>
+          <a:bodyPr>
+            <a:normAutofit fontScale="90000"/>
+          </a:bodyPr>
+          <a:p>
+            <a:pPr>
+              <a:buFont typeface="Wingdings" panose="05000000000000000000" charset="0"/>
+              <a:buChar char="ü"/>
+            </a:pPr>
+            <a:r>
+              <a:rPr lang="en-US" altLang="zh-CN" sz="2000">
+                <a:sym typeface="+mn-ea"/>
+              </a:rPr>
+              <a:t>git log</a:t>
+            </a:r>
+            <a:endParaRPr lang="en-US" altLang="zh-CN" sz="2000"/>
+          </a:p>
+          <a:p>
+            <a:pPr marL="0" indent="0">
+              <a:buNone/>
+            </a:pPr>
+            <a:r>
+              <a:rPr lang="en-US" altLang="zh-CN" sz="2000">
+                <a:solidFill>
+                  <a:schemeClr val="tx1"/>
+                </a:solidFill>
+                <a:latin typeface="宋体" panose="02010600030101010101" pitchFamily="2" charset="-122"/>
+                <a:ea typeface="宋体" panose="02010600030101010101" pitchFamily="2" charset="-122"/>
+                <a:sym typeface="+mn-ea"/>
+              </a:rPr>
+              <a:t>和svn的show log类似</a:t>
+            </a:r>
+            <a:r>
+              <a:rPr lang="zh-CN" altLang="en-US" sz="2000">
+                <a:solidFill>
+                  <a:schemeClr val="tx1"/>
+                </a:solidFill>
+                <a:latin typeface="宋体" panose="02010600030101010101" pitchFamily="2" charset="-122"/>
+                <a:ea typeface="宋体" panose="02010600030101010101" pitchFamily="2" charset="-122"/>
+                <a:sym typeface="+mn-ea"/>
+              </a:rPr>
+              <a:t>，查看分支的修改历史记录。</a:t>
+            </a:r>
+            <a:endParaRPr lang="zh-CN" altLang="en-US" sz="2000">
+              <a:solidFill>
+                <a:schemeClr val="tx1"/>
+              </a:solidFill>
+              <a:latin typeface="宋体" panose="02010600030101010101" pitchFamily="2" charset="-122"/>
+              <a:ea typeface="宋体" panose="02010600030101010101" pitchFamily="2" charset="-122"/>
+              <a:sym typeface="+mn-ea"/>
+            </a:endParaRPr>
+          </a:p>
+          <a:p>
+            <a:pPr>
+              <a:buFont typeface="Wingdings" panose="05000000000000000000" charset="0"/>
+              <a:buChar char="ü"/>
+            </a:pPr>
+            <a:r>
+              <a:rPr lang="en-US" altLang="zh-CN" sz="2000">
+                <a:sym typeface="+mn-ea"/>
+              </a:rPr>
+              <a:t>git revert</a:t>
+            </a:r>
+            <a:endParaRPr lang="en-US" altLang="zh-CN" sz="2000"/>
+          </a:p>
+          <a:p>
+            <a:pPr marL="0" indent="0">
+              <a:buFont typeface="Wingdings" panose="05000000000000000000" charset="0"/>
+              <a:buNone/>
+            </a:pPr>
+            <a:r>
+              <a:rPr lang="en-US" altLang="zh-CN" sz="2000">
+                <a:solidFill>
+                  <a:schemeClr val="tx1"/>
+                </a:solidFill>
+                <a:latin typeface="宋体" panose="02010600030101010101" pitchFamily="2" charset="-122"/>
+                <a:ea typeface="宋体" panose="02010600030101010101" pitchFamily="2" charset="-122"/>
+                <a:sym typeface="+mn-ea"/>
+              </a:rPr>
+              <a:t>回退之前的某个本地commit，相应的本地文件的修改会被撤销回来。git revert HEAD 可以回退最近的一次提交。</a:t>
+            </a:r>
+            <a:endParaRPr lang="zh-CN" altLang="en-US" sz="1800">
+              <a:solidFill>
+                <a:schemeClr val="tx1"/>
+              </a:solidFill>
+              <a:latin typeface="宋体" panose="02010600030101010101" pitchFamily="2" charset="-122"/>
+              <a:ea typeface="宋体" panose="02010600030101010101" pitchFamily="2" charset="-122"/>
+              <a:sym typeface="+mn-ea"/>
+            </a:endParaRPr>
+          </a:p>
+          <a:p>
+            <a:pPr>
+              <a:buFont typeface="Wingdings" panose="05000000000000000000" charset="0"/>
+              <a:buChar char="ü"/>
+            </a:pPr>
+            <a:r>
+              <a:rPr lang="en-US" altLang="zh-CN" sz="2000">
+                <a:sym typeface="+mn-ea"/>
+              </a:rPr>
+              <a:t>git rm</a:t>
+            </a:r>
+            <a:endParaRPr lang="en-US" altLang="zh-CN" sz="2000"/>
+          </a:p>
+          <a:p>
+            <a:pPr marL="0" indent="0">
+              <a:buNone/>
+            </a:pPr>
+            <a:r>
+              <a:rPr lang="en-US" altLang="zh-CN" sz="2000">
+                <a:solidFill>
+                  <a:schemeClr val="tx1"/>
+                </a:solidFill>
+                <a:latin typeface="宋体" panose="02010600030101010101" pitchFamily="2" charset="-122"/>
+                <a:ea typeface="宋体" panose="02010600030101010101" pitchFamily="2" charset="-122"/>
+                <a:sym typeface="+mn-ea"/>
+              </a:rPr>
+              <a:t>git clean是从工作目录中移除没有track的文件.通常的参数是git clean -df:</a:t>
+            </a:r>
+            <a:endParaRPr lang="en-US" altLang="zh-CN" sz="2000">
+              <a:solidFill>
+                <a:schemeClr val="tx1"/>
+              </a:solidFill>
+              <a:latin typeface="宋体" panose="02010600030101010101" pitchFamily="2" charset="-122"/>
+              <a:ea typeface="宋体" panose="02010600030101010101" pitchFamily="2" charset="-122"/>
+              <a:sym typeface="+mn-ea"/>
+            </a:endParaRPr>
+          </a:p>
+          <a:p>
+            <a:pPr marL="0" indent="0">
+              <a:buNone/>
+            </a:pPr>
+            <a:r>
+              <a:rPr lang="en-US" altLang="zh-CN" sz="2000">
+                <a:solidFill>
+                  <a:schemeClr val="tx1"/>
+                </a:solidFill>
+                <a:latin typeface="宋体" panose="02010600030101010101" pitchFamily="2" charset="-122"/>
+                <a:ea typeface="宋体" panose="02010600030101010101" pitchFamily="2" charset="-122"/>
+                <a:sym typeface="+mn-ea"/>
+              </a:rPr>
+              <a:t>-d表示同时移除目录,-f表示force,因为在git的配置文件中, clean.requireForce=true,如果不加-f,clean将会拒绝执行.</a:t>
+            </a:r>
+            <a:endParaRPr lang="en-US" altLang="zh-CN" sz="2000">
+              <a:solidFill>
+                <a:schemeClr val="tx1"/>
+              </a:solidFill>
+              <a:latin typeface="宋体" panose="02010600030101010101" pitchFamily="2" charset="-122"/>
+              <a:ea typeface="宋体" panose="02010600030101010101" pitchFamily="2" charset="-122"/>
+              <a:sym typeface="+mn-ea"/>
+            </a:endParaRPr>
+          </a:p>
+          <a:p>
+            <a:pPr>
+              <a:buFont typeface="Wingdings" panose="05000000000000000000" charset="0"/>
+              <a:buChar char="ü"/>
+            </a:pPr>
+            <a:r>
+              <a:rPr lang="en-US" altLang="zh-CN" sz="2000">
+                <a:sym typeface="+mn-ea"/>
+              </a:rPr>
+              <a:t>git diff</a:t>
+            </a:r>
+            <a:endParaRPr lang="en-US" altLang="zh-CN" sz="2000"/>
+          </a:p>
+          <a:p>
+            <a:pPr marL="0" indent="0">
+              <a:buNone/>
+            </a:pPr>
+            <a:r>
+              <a:rPr lang="en-US" altLang="zh-CN" sz="2000">
+                <a:solidFill>
+                  <a:schemeClr val="tx1"/>
+                </a:solidFill>
+                <a:latin typeface="宋体" panose="02010600030101010101" pitchFamily="2" charset="-122"/>
+                <a:ea typeface="宋体" panose="02010600030101010101" pitchFamily="2" charset="-122"/>
+                <a:sym typeface="+mn-ea"/>
+              </a:rPr>
+              <a:t>不加参数的git diff:show diff of unstaged changes.此命令比较的是工作目录中当前文件和暂存区域快照之间的差异,也就是修改之后还没有暂存起来的变化内容.</a:t>
+            </a:r>
+            <a:r>
+              <a:rPr lang="en-US" altLang="zh-CN" sz="2000">
+                <a:solidFill>
+                  <a:schemeClr val="tx1"/>
+                </a:solidFill>
+                <a:latin typeface="宋体" panose="02010600030101010101" pitchFamily="2" charset="-122"/>
+                <a:ea typeface="宋体" panose="02010600030101010101" pitchFamily="2" charset="-122"/>
+                <a:sym typeface="+mn-ea"/>
+              </a:rPr>
+              <a:t>若要看已经暂存起来的文件和上次提交时的快照之间的差异,可以用:git diff --cached 命令.show diff of staged changes.</a:t>
+            </a:r>
+            <a:endParaRPr lang="en-US" altLang="zh-CN" sz="2000">
+              <a:solidFill>
+                <a:schemeClr val="tx1"/>
+              </a:solidFill>
+              <a:latin typeface="宋体" panose="02010600030101010101" pitchFamily="2" charset="-122"/>
+              <a:ea typeface="宋体" panose="02010600030101010101" pitchFamily="2" charset="-122"/>
+              <a:sym typeface="+mn-ea"/>
+            </a:endParaRPr>
+          </a:p>
+        </p:txBody>
+      </p:sp>
+    </p:spTree>
+    <p:custDataLst>
+      <p:tags r:id="rId1"/>
+    </p:custDataLst>
+  </p:cSld>
+  <p:clrMapOvr>
+    <a:masterClrMapping/>
+  </p:clrMapOvr>
+</p:sld>
+</file>
+
+<file path=ppt/slides/slide11.xml><?xml version="1.0" encoding="utf-8"?>
+<p:sld xmlns:a="http://schemas.openxmlformats.org/drawingml/2006/main" xmlns:r="http://schemas.openxmlformats.org/officeDocument/2006/relationships" xmlns:p="http://schemas.openxmlformats.org/presentationml/2006/main">
+  <p:cSld>
+    <p:spTree>
+      <p:nvGrpSpPr>
+        <p:cNvPr id="1" name=""/>
+        <p:cNvGrpSpPr/>
+        <p:nvPr/>
+      </p:nvGrpSpPr>
+      <p:grpSpPr/>
+      <p:sp>
+        <p:nvSpPr>
+          <p:cNvPr id="2" name="标题 1"/>
+          <p:cNvSpPr>
+            <a:spLocks noGrp="1"/>
+          </p:cNvSpPr>
+          <p:nvPr>
+            <p:ph type="title"/>
+          </p:nvPr>
+        </p:nvSpPr>
+        <p:spPr/>
+        <p:txBody>
+          <a:bodyPr/>
+          <a:p>
+            <a:r>
+              <a:rPr lang="en-US" altLang="zh-CN"/>
+              <a:t>Git</a:t>
+            </a:r>
+            <a:r>
+              <a:rPr lang="zh-CN" altLang="en-US"/>
+              <a:t>常用命令</a:t>
+            </a:r>
+            <a:endParaRPr lang="zh-CN" altLang="en-US"/>
+          </a:p>
+        </p:txBody>
+      </p:sp>
+      <p:sp>
+        <p:nvSpPr>
+          <p:cNvPr id="3" name="内容占位符 2"/>
+          <p:cNvSpPr>
+            <a:spLocks noGrp="1"/>
+          </p:cNvSpPr>
+          <p:nvPr>
+            <p:ph idx="1"/>
+          </p:nvPr>
+        </p:nvSpPr>
+        <p:spPr>
+          <a:xfrm>
+            <a:off x="628650" y="1543050"/>
+            <a:ext cx="7886700" cy="4369435"/>
+          </a:xfrm>
+        </p:spPr>
+        <p:txBody>
+          <a:bodyPr>
+            <a:normAutofit/>
+          </a:bodyPr>
+          <a:p>
+            <a:pPr>
+              <a:buFont typeface="Wingdings" panose="05000000000000000000" charset="0"/>
+              <a:buChar char="ü"/>
+            </a:pPr>
+            <a:r>
+              <a:rPr lang="en-US" altLang="zh-CN" sz="2000">
+                <a:sym typeface="+mn-ea"/>
+              </a:rPr>
+              <a:t>git branch</a:t>
+            </a:r>
+            <a:endParaRPr lang="en-US" altLang="zh-CN" sz="2000"/>
+          </a:p>
+          <a:p>
+            <a:pPr marL="0" indent="0">
+              <a:buNone/>
+            </a:pPr>
+            <a:r>
+              <a:rPr lang="zh-CN" sz="2000">
+                <a:solidFill>
+                  <a:schemeClr val="tx1"/>
+                </a:solidFill>
+                <a:latin typeface="宋体" panose="02010600030101010101" pitchFamily="2" charset="-122"/>
+                <a:ea typeface="宋体" panose="02010600030101010101" pitchFamily="2" charset="-122"/>
+                <a:sym typeface="+mn-ea"/>
+              </a:rPr>
+              <a:t>该命令是针对</a:t>
+            </a:r>
+            <a:r>
+              <a:rPr lang="en-US" altLang="zh-CN" sz="2000">
+                <a:solidFill>
+                  <a:schemeClr val="tx1"/>
+                </a:solidFill>
+                <a:latin typeface="宋体" panose="02010600030101010101" pitchFamily="2" charset="-122"/>
+                <a:ea typeface="宋体" panose="02010600030101010101" pitchFamily="2" charset="-122"/>
+                <a:sym typeface="+mn-ea"/>
+              </a:rPr>
+              <a:t>git</a:t>
+            </a:r>
+            <a:r>
+              <a:rPr lang="zh-CN" altLang="en-US" sz="2000">
+                <a:solidFill>
+                  <a:schemeClr val="tx1"/>
+                </a:solidFill>
+                <a:latin typeface="宋体" panose="02010600030101010101" pitchFamily="2" charset="-122"/>
+                <a:ea typeface="宋体" panose="02010600030101010101" pitchFamily="2" charset="-122"/>
+                <a:sym typeface="+mn-ea"/>
+              </a:rPr>
+              <a:t>中分支的操作，基础命令</a:t>
+            </a:r>
+            <a:r>
+              <a:rPr lang="en-US" altLang="zh-CN" sz="2000">
+                <a:solidFill>
+                  <a:schemeClr val="tx1"/>
+                </a:solidFill>
+                <a:latin typeface="宋体" panose="02010600030101010101" pitchFamily="2" charset="-122"/>
+                <a:ea typeface="宋体" panose="02010600030101010101" pitchFamily="2" charset="-122"/>
+                <a:sym typeface="+mn-ea"/>
+              </a:rPr>
+              <a:t>git branch</a:t>
+            </a:r>
+            <a:r>
+              <a:rPr lang="zh-CN" altLang="en-US" sz="2000">
+                <a:solidFill>
+                  <a:schemeClr val="tx1"/>
+                </a:solidFill>
+                <a:latin typeface="宋体" panose="02010600030101010101" pitchFamily="2" charset="-122"/>
+                <a:ea typeface="宋体" panose="02010600030101010101" pitchFamily="2" charset="-122"/>
+                <a:sym typeface="+mn-ea"/>
+              </a:rPr>
+              <a:t>会列出本地所有分支信息，当前分支会被</a:t>
+            </a:r>
+            <a:r>
+              <a:rPr lang="en-US" altLang="zh-CN" sz="2000">
+                <a:solidFill>
+                  <a:schemeClr val="tx1"/>
+                </a:solidFill>
+                <a:latin typeface="宋体" panose="02010600030101010101" pitchFamily="2" charset="-122"/>
+                <a:ea typeface="宋体" panose="02010600030101010101" pitchFamily="2" charset="-122"/>
+                <a:sym typeface="+mn-ea"/>
+              </a:rPr>
+              <a:t>*</a:t>
+            </a:r>
+            <a:r>
+              <a:rPr lang="zh-CN" altLang="en-US" sz="2000">
+                <a:solidFill>
+                  <a:schemeClr val="tx1"/>
+                </a:solidFill>
+                <a:latin typeface="宋体" panose="02010600030101010101" pitchFamily="2" charset="-122"/>
+                <a:ea typeface="宋体" panose="02010600030101010101" pitchFamily="2" charset="-122"/>
+                <a:sym typeface="+mn-ea"/>
+              </a:rPr>
+              <a:t>号标出。</a:t>
+            </a:r>
+            <a:endParaRPr lang="zh-CN" altLang="en-US" sz="2000">
+              <a:solidFill>
+                <a:schemeClr val="tx1"/>
+              </a:solidFill>
+              <a:latin typeface="宋体" panose="02010600030101010101" pitchFamily="2" charset="-122"/>
+              <a:ea typeface="宋体" panose="02010600030101010101" pitchFamily="2" charset="-122"/>
+              <a:sym typeface="+mn-ea"/>
+            </a:endParaRPr>
+          </a:p>
+          <a:p>
+            <a:pPr marL="0" indent="0">
+              <a:buNone/>
+            </a:pPr>
+            <a:r>
+              <a:rPr lang="en-US" altLang="zh-CN" sz="2000">
+                <a:solidFill>
+                  <a:schemeClr val="tx1"/>
+                </a:solidFill>
+                <a:latin typeface="宋体" panose="02010600030101010101" pitchFamily="2" charset="-122"/>
+                <a:ea typeface="宋体" panose="02010600030101010101" pitchFamily="2" charset="-122"/>
+                <a:sym typeface="+mn-ea"/>
+              </a:rPr>
+              <a:t>git branch name </a:t>
+            </a:r>
+            <a:r>
+              <a:rPr lang="zh-CN" altLang="en-US" sz="2000">
+                <a:solidFill>
+                  <a:schemeClr val="tx1"/>
+                </a:solidFill>
+                <a:latin typeface="宋体" panose="02010600030101010101" pitchFamily="2" charset="-122"/>
+                <a:ea typeface="宋体" panose="02010600030101010101" pitchFamily="2" charset="-122"/>
+                <a:sym typeface="+mn-ea"/>
+              </a:rPr>
+              <a:t>则负责创建一个新的分支。</a:t>
+            </a:r>
+            <a:endParaRPr lang="zh-CN" altLang="en-US" sz="2000">
+              <a:solidFill>
+                <a:schemeClr val="tx1"/>
+              </a:solidFill>
+              <a:latin typeface="宋体" panose="02010600030101010101" pitchFamily="2" charset="-122"/>
+              <a:ea typeface="宋体" panose="02010600030101010101" pitchFamily="2" charset="-122"/>
+              <a:sym typeface="+mn-ea"/>
+            </a:endParaRPr>
+          </a:p>
+          <a:p>
+            <a:pPr marL="0" indent="0">
+              <a:buNone/>
+            </a:pPr>
+            <a:r>
+              <a:rPr lang="en-US" altLang="zh-CN" sz="2000">
+                <a:solidFill>
+                  <a:schemeClr val="tx1"/>
+                </a:solidFill>
+                <a:latin typeface="宋体" panose="02010600030101010101" pitchFamily="2" charset="-122"/>
+                <a:ea typeface="宋体" panose="02010600030101010101" pitchFamily="2" charset="-122"/>
+                <a:sym typeface="+mn-ea"/>
+              </a:rPr>
+              <a:t>git branch -d name </a:t>
+            </a:r>
+            <a:r>
+              <a:rPr lang="zh-CN" altLang="en-US" sz="2000">
+                <a:solidFill>
+                  <a:schemeClr val="tx1"/>
+                </a:solidFill>
+                <a:latin typeface="宋体" panose="02010600030101010101" pitchFamily="2" charset="-122"/>
+                <a:ea typeface="宋体" panose="02010600030101010101" pitchFamily="2" charset="-122"/>
+                <a:sym typeface="+mn-ea"/>
+              </a:rPr>
+              <a:t>删除某个分支。</a:t>
+            </a:r>
+            <a:endParaRPr lang="zh-CN" altLang="en-US" sz="2000">
+              <a:solidFill>
+                <a:schemeClr val="tx1"/>
+              </a:solidFill>
+              <a:latin typeface="宋体" panose="02010600030101010101" pitchFamily="2" charset="-122"/>
+              <a:ea typeface="宋体" panose="02010600030101010101" pitchFamily="2" charset="-122"/>
+              <a:sym typeface="+mn-ea"/>
+            </a:endParaRPr>
+          </a:p>
+          <a:p>
+            <a:pPr>
+              <a:buFont typeface="Wingdings" panose="05000000000000000000" charset="0"/>
+              <a:buChar char="ü"/>
+            </a:pPr>
+            <a:r>
+              <a:rPr lang="en-US" altLang="zh-CN" sz="2000">
+                <a:sym typeface="+mn-ea"/>
+              </a:rPr>
+              <a:t>git checkout</a:t>
+            </a:r>
+            <a:endParaRPr lang="en-US" altLang="zh-CN" sz="2000"/>
+          </a:p>
+          <a:p>
+            <a:pPr marL="0" indent="0">
+              <a:buFont typeface="Wingdings" panose="05000000000000000000" charset="0"/>
+              <a:buNone/>
+            </a:pPr>
+            <a:r>
+              <a:rPr lang="en-US" altLang="zh-CN" sz="2000">
+                <a:solidFill>
+                  <a:schemeClr val="tx1"/>
+                </a:solidFill>
+                <a:latin typeface="宋体" panose="02010600030101010101" pitchFamily="2" charset="-122"/>
+                <a:ea typeface="宋体" panose="02010600030101010101" pitchFamily="2" charset="-122"/>
+                <a:sym typeface="+mn-ea"/>
+              </a:rPr>
+              <a:t>切换到</a:t>
+            </a:r>
+            <a:r>
+              <a:rPr lang="zh-CN" altLang="en-US" sz="2000">
+                <a:solidFill>
+                  <a:schemeClr val="tx1"/>
+                </a:solidFill>
+                <a:latin typeface="宋体" panose="02010600030101010101" pitchFamily="2" charset="-122"/>
+                <a:ea typeface="宋体" panose="02010600030101010101" pitchFamily="2" charset="-122"/>
+                <a:sym typeface="+mn-ea"/>
+              </a:rPr>
+              <a:t>某一个</a:t>
+            </a:r>
+            <a:r>
+              <a:rPr lang="en-US" altLang="zh-CN" sz="2000">
+                <a:solidFill>
+                  <a:schemeClr val="tx1"/>
+                </a:solidFill>
+                <a:latin typeface="宋体" panose="02010600030101010101" pitchFamily="2" charset="-122"/>
+                <a:ea typeface="宋体" panose="02010600030101010101" pitchFamily="2" charset="-122"/>
+                <a:sym typeface="+mn-ea"/>
+              </a:rPr>
+              <a:t>一个分支.</a:t>
+            </a:r>
+            <a:endParaRPr lang="en-US" altLang="zh-CN" sz="2000">
+              <a:solidFill>
+                <a:schemeClr val="tx1"/>
+              </a:solidFill>
+              <a:latin typeface="宋体" panose="02010600030101010101" pitchFamily="2" charset="-122"/>
+              <a:ea typeface="宋体" panose="02010600030101010101" pitchFamily="2" charset="-122"/>
+              <a:sym typeface="+mn-ea"/>
+            </a:endParaRPr>
+          </a:p>
+          <a:p>
+            <a:pPr>
+              <a:buFont typeface="Wingdings" panose="05000000000000000000" charset="0"/>
+              <a:buChar char="ü"/>
+            </a:pPr>
+            <a:r>
+              <a:rPr lang="en-US" altLang="zh-CN" sz="2000">
+                <a:sym typeface="+mn-ea"/>
+              </a:rPr>
+              <a:t>git pull</a:t>
+            </a:r>
+            <a:endParaRPr lang="en-US" altLang="zh-CN" sz="2000"/>
+          </a:p>
+          <a:p>
+            <a:pPr marL="0" indent="0">
+              <a:buNone/>
+            </a:pPr>
+            <a:r>
+              <a:rPr lang="zh-CN" altLang="en-US" sz="2000">
+                <a:solidFill>
+                  <a:schemeClr val="tx1"/>
+                </a:solidFill>
+                <a:latin typeface="宋体" panose="02010600030101010101" pitchFamily="2" charset="-122"/>
+                <a:ea typeface="宋体" panose="02010600030101010101" pitchFamily="2" charset="-122"/>
+                <a:sym typeface="+mn-ea"/>
+              </a:rPr>
+              <a:t>将远程分支上的代码同步到本地库中。</a:t>
+            </a:r>
+            <a:endParaRPr lang="zh-CN" altLang="en-US" sz="2000">
+              <a:solidFill>
+                <a:schemeClr val="tx1"/>
+              </a:solidFill>
+              <a:latin typeface="宋体" panose="02010600030101010101" pitchFamily="2" charset="-122"/>
+              <a:ea typeface="宋体" panose="02010600030101010101" pitchFamily="2" charset="-122"/>
+              <a:sym typeface="+mn-ea"/>
+            </a:endParaRPr>
+          </a:p>
+          <a:p>
+            <a:pPr>
+              <a:buFont typeface="Wingdings" panose="05000000000000000000" charset="0"/>
+              <a:buChar char="ü"/>
+            </a:pPr>
+            <a:r>
+              <a:rPr lang="en-US" altLang="zh-CN" sz="2000">
+                <a:sym typeface="+mn-ea"/>
+              </a:rPr>
+              <a:t>git push</a:t>
+            </a:r>
+            <a:endParaRPr lang="en-US" altLang="zh-CN" sz="2000"/>
+          </a:p>
+          <a:p>
+            <a:pPr marL="0" indent="0">
+              <a:buNone/>
+            </a:pPr>
+            <a:r>
+              <a:rPr lang="zh-CN" altLang="en-US" sz="2000">
+                <a:solidFill>
+                  <a:schemeClr val="tx1"/>
+                </a:solidFill>
+                <a:latin typeface="宋体" panose="02010600030101010101" pitchFamily="2" charset="-122"/>
+                <a:ea typeface="宋体" panose="02010600030101010101" pitchFamily="2" charset="-122"/>
+                <a:sym typeface="+mn-ea"/>
+              </a:rPr>
+              <a:t>将本地库分支代码同步到远程分支上。</a:t>
+            </a:r>
+            <a:endParaRPr lang="zh-CN" altLang="en-US" sz="2000">
+              <a:solidFill>
+                <a:schemeClr val="tx1"/>
+              </a:solidFill>
+              <a:latin typeface="宋体" panose="02010600030101010101" pitchFamily="2" charset="-122"/>
+              <a:ea typeface="宋体" panose="02010600030101010101" pitchFamily="2" charset="-122"/>
+              <a:sym typeface="+mn-ea"/>
+            </a:endParaRPr>
+          </a:p>
+        </p:txBody>
+      </p:sp>
+    </p:spTree>
+    <p:custDataLst>
+      <p:tags r:id="rId1"/>
+    </p:custDataLst>
+  </p:cSld>
+  <p:clrMapOvr>
+    <a:masterClrMapping/>
+  </p:clrMapOvr>
+</p:sld>
+</file>
+
+<file path=ppt/slides/slide12.xml><?xml version="1.0" encoding="utf-8"?>
+<p:sld xmlns:a="http://schemas.openxmlformats.org/drawingml/2006/main" xmlns:r="http://schemas.openxmlformats.org/officeDocument/2006/relationships" xmlns:p="http://schemas.openxmlformats.org/presentationml/2006/main">
+  <p:cSld>
+    <p:spTree>
+      <p:nvGrpSpPr>
+        <p:cNvPr id="1" name=""/>
+        <p:cNvGrpSpPr/>
+        <p:nvPr/>
+      </p:nvGrpSpPr>
       <p:grpSpPr>
         <a:xfrm>
           <a:off x="0" y="0"/>
@@ -6795,6 +7437,22 @@
 
 <file path=ppt/tags/tag24.xml><?xml version="1.0" encoding="utf-8"?>
 <p:tagLst xmlns:p="http://schemas.openxmlformats.org/presentationml/2006/main">
+  <p:tag name="KSO_WM_BEAUTIFY_FLAG" val="#wm#"/>
+  <p:tag name="KSO_WM_TEMPLATE_CATEGORY" val="custom"/>
+  <p:tag name="KSO_WM_TEMPLATE_INDEX" val="446"/>
+</p:tagLst>
+</file>
+
+<file path=ppt/tags/tag25.xml><?xml version="1.0" encoding="utf-8"?>
+<p:tagLst xmlns:p="http://schemas.openxmlformats.org/presentationml/2006/main">
+  <p:tag name="KSO_WM_BEAUTIFY_FLAG" val="#wm#"/>
+  <p:tag name="KSO_WM_TEMPLATE_CATEGORY" val="custom"/>
+  <p:tag name="KSO_WM_TEMPLATE_INDEX" val="446"/>
+</p:tagLst>
+</file>
+
+<file path=ppt/tags/tag26.xml><?xml version="1.0" encoding="utf-8"?>
+<p:tagLst xmlns:p="http://schemas.openxmlformats.org/presentationml/2006/main">
   <p:tag name="KSO_WM_TAG_VERSION" val="1.0"/>
   <p:tag name="KSO_WM_BEAUTIFY_FLAG" val="#wm#"/>
   <p:tag name="KSO_WM_TEMPLATE_CATEGORY" val="custom"/>
@@ -6812,7 +7470,7 @@
 </p:tagLst>
 </file>
 
-<file path=ppt/tags/tag25.xml><?xml version="1.0" encoding="utf-8"?>
+<file path=ppt/tags/tag27.xml><?xml version="1.0" encoding="utf-8"?>
 <p:tagLst xmlns:p="http://schemas.openxmlformats.org/presentationml/2006/main">
   <p:tag name="KSO_WM_TEMPLATE_CATEGORY" val="custom"/>
   <p:tag name="KSO_WM_TEMPLATE_INDEX" val="446"/>
@@ -7197,8 +7855,6 @@
       </a:bgFillStyleLst>
     </a:fmtScheme>
   </a:themeElements>
-  <a:objectDefaults/>
-  <a:extraClrSchemeLst/>
   <a:extLst>
     <a:ext uri="{05A4C25C-085E-4340-85A3-A5531E510DB2}">
       <thm15:themeFamily xmlns:thm15="http://schemas.microsoft.com/office/thememl/2012/main" name="Office Theme" id="{62F939B6-93AF-4DB8-9C6B-D6C7DFDC589F}" vid="{4A3C46E8-61CC-4603-A589-7422A47A8E4A}"/>
@@ -7458,8 +8114,6 @@
       </a:bgFillStyleLst>
     </a:fmtScheme>
   </a:themeElements>
-  <a:objectDefaults/>
-  <a:extraClrSchemeLst/>
   <a:extLst>
     <a:ext uri="{05A4C25C-085E-4340-85A3-A5531E510DB2}">
       <thm15:themeFamily xmlns:thm15="http://schemas.microsoft.com/office/thememl/2012/main" name="Office Theme" id="{62F939B6-93AF-4DB8-9C6B-D6C7DFDC589F}" vid="{4A3C46E8-61CC-4603-A589-7422A47A8E4A}"/>

--- a/gjhDemo/git.pptx
+++ b/gjhDemo/git.pptx
@@ -19,7 +19,13 @@
     <p:sldId id="331" r:id="rId12"/>
     <p:sldId id="333" r:id="rId13"/>
     <p:sldId id="335" r:id="rId14"/>
-    <p:sldId id="317" r:id="rId15"/>
+    <p:sldId id="337" r:id="rId15"/>
+    <p:sldId id="338" r:id="rId16"/>
+    <p:sldId id="339" r:id="rId17"/>
+    <p:sldId id="340" r:id="rId18"/>
+    <p:sldId id="341" r:id="rId19"/>
+    <p:sldId id="342" r:id="rId20"/>
+    <p:sldId id="317" r:id="rId21"/>
   </p:sldIdLst>
   <p:sldSz cx="9144000" cy="6858000" type="screen4x3"/>
   <p:notesSz cx="7103745" cy="10234295"/>
@@ -3822,18 +3828,7 @@
                 <a:ea typeface="宋体" panose="02010600030101010101" pitchFamily="2" charset="-122"/>
                 <a:sym typeface="+mn-ea"/>
               </a:rPr>
-              <a:t>不加参数的git diff:show diff of unstaged changes.此命令比较的是工作目录中当前文件和暂存区域快照之间的差异,也就是修改之后还没有暂存起来的变化内容.</a:t>
-            </a:r>
-            <a:r>
-              <a:rPr lang="en-US" altLang="zh-CN" sz="2000">
-                <a:solidFill>
-                  <a:schemeClr val="tx1"/>
-                </a:solidFill>
-                <a:latin typeface="宋体" panose="02010600030101010101" pitchFamily="2" charset="-122"/>
-                <a:ea typeface="宋体" panose="02010600030101010101" pitchFamily="2" charset="-122"/>
-                <a:sym typeface="+mn-ea"/>
-              </a:rPr>
-              <a:t>若要看已经暂存起来的文件和上次提交时的快照之间的差异,可以用:git diff --cached 命令.show diff of staged changes.</a:t>
+              <a:t>不加参数的git diff:show diff of unstaged changes.此命令比较的是工作目录中当前文件和暂存区域快照之间的差异,也就是修改之后还没有暂存起来的变化内容.若要看已经暂存起来的文件和上次提交时的快照之间的差异,可以用:git diff --cached 命令.show diff of staged changes.</a:t>
             </a:r>
             <a:endParaRPr lang="en-US" altLang="zh-CN" sz="2000">
               <a:solidFill>
@@ -3881,13 +3876,10 @@
         <p:txBody>
           <a:bodyPr/>
           <a:p>
-            <a:r>
-              <a:rPr lang="en-US" altLang="zh-CN"/>
-              <a:t>Git</a:t>
-            </a:r>
+            <a:pPr algn="l"/>
             <a:r>
               <a:rPr lang="zh-CN" altLang="en-US"/>
-              <a:t>常用命令</a:t>
+              <a:t>Git常用命令</a:t>
             </a:r>
             <a:endParaRPr lang="zh-CN" altLang="en-US"/>
           </a:p>
@@ -4234,6 +4226,968 @@
 </file>
 
 <file path=ppt/slides/slide12.xml><?xml version="1.0" encoding="utf-8"?>
+<p:sld xmlns:a="http://schemas.openxmlformats.org/drawingml/2006/main" xmlns:r="http://schemas.openxmlformats.org/officeDocument/2006/relationships" xmlns:p="http://schemas.openxmlformats.org/presentationml/2006/main">
+  <p:cSld>
+    <p:spTree>
+      <p:nvGrpSpPr>
+        <p:cNvPr id="1" name=""/>
+        <p:cNvGrpSpPr/>
+        <p:nvPr/>
+      </p:nvGrpSpPr>
+      <p:grpSpPr/>
+      <p:sp>
+        <p:nvSpPr>
+          <p:cNvPr id="2" name="标题 1"/>
+          <p:cNvSpPr>
+            <a:spLocks noGrp="1"/>
+          </p:cNvSpPr>
+          <p:nvPr>
+            <p:ph type="title"/>
+          </p:nvPr>
+        </p:nvSpPr>
+        <p:spPr/>
+        <p:txBody>
+          <a:bodyPr/>
+          <a:p>
+            <a:pPr algn="l"/>
+            <a:r>
+              <a:rPr lang="zh-CN" altLang="en-US">
+                <a:sym typeface="+mn-ea"/>
+              </a:rPr>
+              <a:t>Git界面化工具TortoiseGit</a:t>
+            </a:r>
+            <a:endParaRPr lang="zh-CN" altLang="en-US"/>
+          </a:p>
+        </p:txBody>
+      </p:sp>
+      <p:pic>
+        <p:nvPicPr>
+          <p:cNvPr id="4" name="内容占位符 3"/>
+          <p:cNvPicPr>
+            <a:picLocks noChangeAspect="1"/>
+          </p:cNvPicPr>
+          <p:nvPr>
+            <p:ph idx="1"/>
+          </p:nvPr>
+        </p:nvPicPr>
+        <p:blipFill>
+          <a:blip r:embed="rId1"/>
+          <a:stretch>
+            <a:fillRect/>
+          </a:stretch>
+        </p:blipFill>
+        <p:spPr>
+          <a:xfrm>
+            <a:off x="1128395" y="1943735"/>
+            <a:ext cx="6939280" cy="4535805"/>
+          </a:xfrm>
+          <a:prstGeom prst="rect">
+            <a:avLst/>
+          </a:prstGeom>
+        </p:spPr>
+      </p:pic>
+      <p:sp>
+        <p:nvSpPr>
+          <p:cNvPr id="6" name="文本框 5"/>
+          <p:cNvSpPr txBox="1"/>
+          <p:nvPr/>
+        </p:nvSpPr>
+        <p:spPr>
+          <a:xfrm>
+            <a:off x="1110615" y="1049655"/>
+            <a:ext cx="6763385" cy="822960"/>
+          </a:xfrm>
+          <a:prstGeom prst="rect">
+            <a:avLst/>
+          </a:prstGeom>
+          <a:noFill/>
+        </p:spPr>
+        <p:txBody>
+          <a:bodyPr wrap="square" rtlCol="0">
+            <a:spAutoFit/>
+          </a:bodyPr>
+          <a:p>
+            <a:r>
+              <a:rPr lang="zh-CN" altLang="en-US" sz="1600">
+                <a:latin typeface="宋体" panose="02010600030101010101" pitchFamily="2" charset="-122"/>
+                <a:ea typeface="宋体" panose="02010600030101010101" pitchFamily="2" charset="-122"/>
+              </a:rPr>
+              <a:t>一个</a:t>
+            </a:r>
+            <a:r>
+              <a:rPr lang="en-US" altLang="zh-CN" sz="1600">
+                <a:latin typeface="宋体" panose="02010600030101010101" pitchFamily="2" charset="-122"/>
+                <a:ea typeface="宋体" panose="02010600030101010101" pitchFamily="2" charset="-122"/>
+              </a:rPr>
+              <a:t>Git</a:t>
+            </a:r>
+            <a:r>
+              <a:rPr lang="zh-CN" altLang="en-US" sz="1600">
+                <a:latin typeface="宋体" panose="02010600030101010101" pitchFamily="2" charset="-122"/>
+                <a:ea typeface="宋体" panose="02010600030101010101" pitchFamily="2" charset="-122"/>
+              </a:rPr>
+              <a:t>的界面化工具，可以直观的进行</a:t>
+            </a:r>
+            <a:r>
+              <a:rPr lang="en-US" altLang="zh-CN" sz="1600">
+                <a:latin typeface="宋体" panose="02010600030101010101" pitchFamily="2" charset="-122"/>
+                <a:ea typeface="宋体" panose="02010600030101010101" pitchFamily="2" charset="-122"/>
+              </a:rPr>
+              <a:t>git</a:t>
+            </a:r>
+            <a:r>
+              <a:rPr lang="zh-CN" altLang="en-US" sz="1600">
+                <a:latin typeface="宋体" panose="02010600030101010101" pitchFamily="2" charset="-122"/>
+                <a:ea typeface="宋体" panose="02010600030101010101" pitchFamily="2" charset="-122"/>
+              </a:rPr>
+              <a:t>的一些命令操作，不用再在命令行敲入命令。</a:t>
+            </a:r>
+            <a:endParaRPr lang="zh-CN" altLang="en-US" sz="1600">
+              <a:latin typeface="宋体" panose="02010600030101010101" pitchFamily="2" charset="-122"/>
+              <a:ea typeface="宋体" panose="02010600030101010101" pitchFamily="2" charset="-122"/>
+            </a:endParaRPr>
+          </a:p>
+          <a:p>
+            <a:r>
+              <a:rPr lang="zh-CN" altLang="en-US" sz="1600">
+                <a:latin typeface="宋体" panose="02010600030101010101" pitchFamily="2" charset="-122"/>
+                <a:ea typeface="宋体" panose="02010600030101010101" pitchFamily="2" charset="-122"/>
+              </a:rPr>
+              <a:t>下载地址：https://tortoisegit.org/</a:t>
+            </a:r>
+            <a:endParaRPr lang="zh-CN" altLang="en-US" sz="1600">
+              <a:latin typeface="宋体" panose="02010600030101010101" pitchFamily="2" charset="-122"/>
+              <a:ea typeface="宋体" panose="02010600030101010101" pitchFamily="2" charset="-122"/>
+            </a:endParaRPr>
+          </a:p>
+        </p:txBody>
+      </p:sp>
+    </p:spTree>
+    <p:custDataLst>
+      <p:tags r:id="rId2"/>
+    </p:custDataLst>
+  </p:cSld>
+  <p:clrMapOvr>
+    <a:masterClrMapping/>
+  </p:clrMapOvr>
+</p:sld>
+</file>
+
+<file path=ppt/slides/slide13.xml><?xml version="1.0" encoding="utf-8"?>
+<p:sld xmlns:a="http://schemas.openxmlformats.org/drawingml/2006/main" xmlns:r="http://schemas.openxmlformats.org/officeDocument/2006/relationships" xmlns:p="http://schemas.openxmlformats.org/presentationml/2006/main">
+  <p:cSld>
+    <p:spTree>
+      <p:nvGrpSpPr>
+        <p:cNvPr id="1" name=""/>
+        <p:cNvGrpSpPr/>
+        <p:nvPr/>
+      </p:nvGrpSpPr>
+      <p:grpSpPr/>
+      <p:sp>
+        <p:nvSpPr>
+          <p:cNvPr id="2" name="标题 1"/>
+          <p:cNvSpPr>
+            <a:spLocks noGrp="1"/>
+          </p:cNvSpPr>
+          <p:nvPr>
+            <p:ph type="title"/>
+          </p:nvPr>
+        </p:nvSpPr>
+        <p:spPr/>
+        <p:txBody>
+          <a:bodyPr/>
+          <a:p>
+            <a:pPr algn="l"/>
+            <a:r>
+              <a:rPr lang="zh-CN" altLang="en-US">
+                <a:sym typeface="+mn-ea"/>
+              </a:rPr>
+              <a:t>Git</a:t>
+            </a:r>
+            <a:r>
+              <a:rPr lang="en-US" altLang="zh-CN">
+                <a:sym typeface="+mn-ea"/>
+              </a:rPr>
+              <a:t>hub&amp;Gitlab</a:t>
+            </a:r>
+            <a:endParaRPr lang="en-US" altLang="zh-CN"/>
+          </a:p>
+        </p:txBody>
+      </p:sp>
+      <p:sp>
+        <p:nvSpPr>
+          <p:cNvPr id="6" name="文本框 5"/>
+          <p:cNvSpPr txBox="1"/>
+          <p:nvPr/>
+        </p:nvSpPr>
+        <p:spPr>
+          <a:xfrm>
+            <a:off x="1110615" y="1049655"/>
+            <a:ext cx="6763385" cy="1066800"/>
+          </a:xfrm>
+          <a:prstGeom prst="rect">
+            <a:avLst/>
+          </a:prstGeom>
+          <a:noFill/>
+        </p:spPr>
+        <p:txBody>
+          <a:bodyPr wrap="square" rtlCol="0">
+            <a:spAutoFit/>
+          </a:bodyPr>
+          <a:p>
+            <a:r>
+              <a:rPr sz="1600">
+                <a:latin typeface="宋体" panose="02010600030101010101" pitchFamily="2" charset="-122"/>
+                <a:ea typeface="宋体" panose="02010600030101010101" pitchFamily="2" charset="-122"/>
+              </a:rPr>
+              <a:t>gitHub是一个面向开源及私有软件项目的托管平台，因为只支持git 作为唯一的版本库格式进行托管，故名gitHub。</a:t>
+            </a:r>
+            <a:endParaRPr sz="1600">
+              <a:latin typeface="宋体" panose="02010600030101010101" pitchFamily="2" charset="-122"/>
+              <a:ea typeface="宋体" panose="02010600030101010101" pitchFamily="2" charset="-122"/>
+            </a:endParaRPr>
+          </a:p>
+          <a:p>
+            <a:r>
+              <a:rPr lang="en-US" altLang="zh-CN" sz="1600">
+                <a:latin typeface="宋体" panose="02010600030101010101" pitchFamily="2" charset="-122"/>
+                <a:ea typeface="宋体" panose="02010600030101010101" pitchFamily="2" charset="-122"/>
+              </a:rPr>
+              <a:t>github</a:t>
+            </a:r>
+            <a:r>
+              <a:rPr lang="zh-CN" altLang="en-US" sz="1600">
+                <a:latin typeface="宋体" panose="02010600030101010101" pitchFamily="2" charset="-122"/>
+                <a:ea typeface="宋体" panose="02010600030101010101" pitchFamily="2" charset="-122"/>
+              </a:rPr>
+              <a:t>简明教程地址：</a:t>
+            </a:r>
+            <a:endParaRPr lang="zh-CN" altLang="en-US" sz="1600">
+              <a:latin typeface="宋体" panose="02010600030101010101" pitchFamily="2" charset="-122"/>
+              <a:ea typeface="宋体" panose="02010600030101010101" pitchFamily="2" charset="-122"/>
+            </a:endParaRPr>
+          </a:p>
+          <a:p>
+            <a:r>
+              <a:rPr lang="zh-CN" altLang="en-US" sz="1600">
+                <a:latin typeface="宋体" panose="02010600030101010101" pitchFamily="2" charset="-122"/>
+                <a:ea typeface="宋体" panose="02010600030101010101" pitchFamily="2" charset="-122"/>
+              </a:rPr>
+              <a:t>http://www.runoob.com/w3cnote/git-guide.html</a:t>
+            </a:r>
+            <a:endParaRPr lang="zh-CN" altLang="en-US" sz="1600">
+              <a:latin typeface="宋体" panose="02010600030101010101" pitchFamily="2" charset="-122"/>
+              <a:ea typeface="宋体" panose="02010600030101010101" pitchFamily="2" charset="-122"/>
+            </a:endParaRPr>
+          </a:p>
+        </p:txBody>
+      </p:sp>
+    </p:spTree>
+    <p:custDataLst>
+      <p:tags r:id="rId1"/>
+    </p:custDataLst>
+  </p:cSld>
+  <p:clrMapOvr>
+    <a:masterClrMapping/>
+  </p:clrMapOvr>
+</p:sld>
+</file>
+
+<file path=ppt/slides/slide14.xml><?xml version="1.0" encoding="utf-8"?>
+<p:sld xmlns:a="http://schemas.openxmlformats.org/drawingml/2006/main" xmlns:r="http://schemas.openxmlformats.org/officeDocument/2006/relationships" xmlns:p="http://schemas.openxmlformats.org/presentationml/2006/main">
+  <p:cSld>
+    <p:spTree>
+      <p:nvGrpSpPr>
+        <p:cNvPr id="1" name=""/>
+        <p:cNvGrpSpPr/>
+        <p:nvPr/>
+      </p:nvGrpSpPr>
+      <p:grpSpPr/>
+      <p:sp>
+        <p:nvSpPr>
+          <p:cNvPr id="2" name="标题 1"/>
+          <p:cNvSpPr>
+            <a:spLocks noGrp="1"/>
+          </p:cNvSpPr>
+          <p:nvPr>
+            <p:ph type="title"/>
+          </p:nvPr>
+        </p:nvSpPr>
+        <p:spPr/>
+        <p:txBody>
+          <a:bodyPr/>
+          <a:p>
+            <a:pPr algn="l"/>
+            <a:r>
+              <a:rPr lang="zh-CN" altLang="en-US">
+                <a:sym typeface="+mn-ea"/>
+              </a:rPr>
+              <a:t>Git</a:t>
+            </a:r>
+            <a:r>
+              <a:rPr lang="en-US" altLang="zh-CN">
+                <a:sym typeface="+mn-ea"/>
+              </a:rPr>
+              <a:t> Flow</a:t>
+            </a:r>
+            <a:endParaRPr lang="en-US" altLang="zh-CN"/>
+          </a:p>
+        </p:txBody>
+      </p:sp>
+      <p:sp>
+        <p:nvSpPr>
+          <p:cNvPr id="6" name="文本框 5"/>
+          <p:cNvSpPr txBox="1"/>
+          <p:nvPr/>
+        </p:nvSpPr>
+        <p:spPr>
+          <a:xfrm>
+            <a:off x="1110615" y="1049655"/>
+            <a:ext cx="6763385" cy="3322320"/>
+          </a:xfrm>
+          <a:prstGeom prst="rect">
+            <a:avLst/>
+          </a:prstGeom>
+          <a:noFill/>
+        </p:spPr>
+        <p:txBody>
+          <a:bodyPr wrap="square" rtlCol="0">
+            <a:spAutoFit/>
+          </a:bodyPr>
+          <a:p>
+            <a:r>
+              <a:rPr lang="zh-CN" altLang="en-US" sz="2000" b="1">
+                <a:latin typeface="宋体" panose="02010600030101010101" pitchFamily="2" charset="-122"/>
+                <a:ea typeface="宋体" panose="02010600030101010101" pitchFamily="2" charset="-122"/>
+              </a:rPr>
+              <a:t>Git Flow是什么?</a:t>
+            </a:r>
+            <a:endParaRPr lang="zh-CN" altLang="en-US" sz="2000" b="1">
+              <a:latin typeface="宋体" panose="02010600030101010101" pitchFamily="2" charset="-122"/>
+              <a:ea typeface="宋体" panose="02010600030101010101" pitchFamily="2" charset="-122"/>
+            </a:endParaRPr>
+          </a:p>
+          <a:p>
+            <a:r>
+              <a:rPr lang="zh-CN" altLang="en-US" sz="1600">
+                <a:latin typeface="宋体" panose="02010600030101010101" pitchFamily="2" charset="-122"/>
+                <a:ea typeface="宋体" panose="02010600030101010101" pitchFamily="2" charset="-122"/>
+              </a:rPr>
+              <a:t>Git Flow是一套基于git的工作流程，这个工作流程围绕着project的发布(release)定义了一个严格的如何建立分支的模型。</a:t>
+            </a:r>
+            <a:endParaRPr lang="zh-CN" altLang="en-US" sz="1600">
+              <a:latin typeface="宋体" panose="02010600030101010101" pitchFamily="2" charset="-122"/>
+              <a:ea typeface="宋体" panose="02010600030101010101" pitchFamily="2" charset="-122"/>
+            </a:endParaRPr>
+          </a:p>
+          <a:p>
+            <a:r>
+              <a:rPr lang="zh-CN" altLang="en-US" sz="1600">
+                <a:latin typeface="宋体" panose="02010600030101010101" pitchFamily="2" charset="-122"/>
+                <a:ea typeface="宋体" panose="02010600030101010101" pitchFamily="2" charset="-122"/>
+              </a:rPr>
+              <a:t>Git建分支是非常cheap的，我们可以任意建立分支，对任意分支再分支，分支开发完后再合并。比较推荐、多见的做法是特性驱动(Feature Driven)的建立分支法(Feature Branch Workflow)。简而言之就是每一个特性(feature)的开发并不直接在主干上开发，而是在分支上开发，分支开发完毕后再合并到主干上。这样做的好处是</a:t>
+            </a:r>
+            <a:r>
+              <a:rPr lang="en-US" altLang="zh-CN" sz="1600">
+                <a:latin typeface="宋体" panose="02010600030101010101" pitchFamily="2" charset="-122"/>
+                <a:ea typeface="宋体" panose="02010600030101010101" pitchFamily="2" charset="-122"/>
+              </a:rPr>
+              <a:t>:</a:t>
+            </a:r>
+            <a:endParaRPr lang="en-US" altLang="zh-CN" sz="1600">
+              <a:latin typeface="宋体" panose="02010600030101010101" pitchFamily="2" charset="-122"/>
+              <a:ea typeface="宋体" panose="02010600030101010101" pitchFamily="2" charset="-122"/>
+            </a:endParaRPr>
+          </a:p>
+          <a:p>
+            <a:r>
+              <a:rPr lang="en-US" altLang="zh-CN" sz="1600">
+                <a:latin typeface="宋体" panose="02010600030101010101" pitchFamily="2" charset="-122"/>
+                <a:ea typeface="宋体" panose="02010600030101010101" pitchFamily="2" charset="-122"/>
+              </a:rPr>
+              <a:t>1.</a:t>
+            </a:r>
+            <a:r>
+              <a:rPr lang="zh-CN" altLang="en-US" sz="1600">
+                <a:latin typeface="宋体" panose="02010600030101010101" pitchFamily="2" charset="-122"/>
+                <a:ea typeface="宋体" panose="02010600030101010101" pitchFamily="2" charset="-122"/>
+              </a:rPr>
+              <a:t>还处于半成品状态的feature不会影响到主干</a:t>
+            </a:r>
+            <a:endParaRPr lang="zh-CN" altLang="en-US" sz="1600">
+              <a:latin typeface="宋体" panose="02010600030101010101" pitchFamily="2" charset="-122"/>
+              <a:ea typeface="宋体" panose="02010600030101010101" pitchFamily="2" charset="-122"/>
+            </a:endParaRPr>
+          </a:p>
+          <a:p>
+            <a:r>
+              <a:rPr lang="en-US" altLang="zh-CN" sz="1600">
+                <a:latin typeface="宋体" panose="02010600030101010101" pitchFamily="2" charset="-122"/>
+                <a:ea typeface="宋体" panose="02010600030101010101" pitchFamily="2" charset="-122"/>
+              </a:rPr>
+              <a:t>2.</a:t>
+            </a:r>
+            <a:r>
+              <a:rPr lang="zh-CN" altLang="en-US" sz="1600">
+                <a:latin typeface="宋体" panose="02010600030101010101" pitchFamily="2" charset="-122"/>
+                <a:ea typeface="宋体" panose="02010600030101010101" pitchFamily="2" charset="-122"/>
+              </a:rPr>
+              <a:t>各个开发人员之间做自己的分支，互不干扰</a:t>
+            </a:r>
+            <a:endParaRPr lang="zh-CN" altLang="en-US" sz="1600">
+              <a:latin typeface="宋体" panose="02010600030101010101" pitchFamily="2" charset="-122"/>
+              <a:ea typeface="宋体" panose="02010600030101010101" pitchFamily="2" charset="-122"/>
+            </a:endParaRPr>
+          </a:p>
+          <a:p>
+            <a:r>
+              <a:rPr lang="en-US" altLang="zh-CN" sz="1600">
+                <a:latin typeface="宋体" panose="02010600030101010101" pitchFamily="2" charset="-122"/>
+                <a:ea typeface="宋体" panose="02010600030101010101" pitchFamily="2" charset="-122"/>
+              </a:rPr>
+              <a:t>3.</a:t>
+            </a:r>
+            <a:r>
+              <a:rPr lang="zh-CN" altLang="en-US" sz="1600">
+                <a:latin typeface="宋体" panose="02010600030101010101" pitchFamily="2" charset="-122"/>
+                <a:ea typeface="宋体" panose="02010600030101010101" pitchFamily="2" charset="-122"/>
+              </a:rPr>
+              <a:t>主干永远处于可编译、可运行的状态</a:t>
+            </a:r>
+            <a:endParaRPr lang="zh-CN" altLang="en-US" sz="1600">
+              <a:latin typeface="宋体" panose="02010600030101010101" pitchFamily="2" charset="-122"/>
+              <a:ea typeface="宋体" panose="02010600030101010101" pitchFamily="2" charset="-122"/>
+            </a:endParaRPr>
+          </a:p>
+          <a:p>
+            <a:r>
+              <a:rPr lang="zh-CN" altLang="en-US" sz="1600">
+                <a:latin typeface="宋体" panose="02010600030101010101" pitchFamily="2" charset="-122"/>
+                <a:ea typeface="宋体" panose="02010600030101010101" pitchFamily="2" charset="-122"/>
+              </a:rPr>
+              <a:t>GitFlow则在这个基础上更进一步，规定了如何建立、合并分支，如何发布，如何维护历史版本等工作流程。</a:t>
+            </a:r>
+            <a:endParaRPr lang="zh-CN" altLang="en-US" sz="1600">
+              <a:latin typeface="宋体" panose="02010600030101010101" pitchFamily="2" charset="-122"/>
+              <a:ea typeface="宋体" panose="02010600030101010101" pitchFamily="2" charset="-122"/>
+            </a:endParaRPr>
+          </a:p>
+        </p:txBody>
+      </p:sp>
+    </p:spTree>
+    <p:custDataLst>
+      <p:tags r:id="rId1"/>
+    </p:custDataLst>
+  </p:cSld>
+  <p:clrMapOvr>
+    <a:masterClrMapping/>
+  </p:clrMapOvr>
+</p:sld>
+</file>
+
+<file path=ppt/slides/slide15.xml><?xml version="1.0" encoding="utf-8"?>
+<p:sld xmlns:a="http://schemas.openxmlformats.org/drawingml/2006/main" xmlns:r="http://schemas.openxmlformats.org/officeDocument/2006/relationships" xmlns:p="http://schemas.openxmlformats.org/presentationml/2006/main">
+  <p:cSld>
+    <p:spTree>
+      <p:nvGrpSpPr>
+        <p:cNvPr id="1" name=""/>
+        <p:cNvGrpSpPr/>
+        <p:nvPr/>
+      </p:nvGrpSpPr>
+      <p:grpSpPr/>
+      <p:sp>
+        <p:nvSpPr>
+          <p:cNvPr id="2" name="标题 1"/>
+          <p:cNvSpPr>
+            <a:spLocks noGrp="1"/>
+          </p:cNvSpPr>
+          <p:nvPr>
+            <p:ph type="title"/>
+          </p:nvPr>
+        </p:nvSpPr>
+        <p:spPr/>
+        <p:txBody>
+          <a:bodyPr/>
+          <a:p>
+            <a:pPr algn="l"/>
+            <a:r>
+              <a:rPr lang="zh-CN" altLang="en-US">
+                <a:sym typeface="+mn-ea"/>
+              </a:rPr>
+              <a:t>Git</a:t>
+            </a:r>
+            <a:r>
+              <a:rPr lang="en-US" altLang="zh-CN">
+                <a:sym typeface="+mn-ea"/>
+              </a:rPr>
+              <a:t> Flow</a:t>
+            </a:r>
+            <a:endParaRPr lang="en-US" altLang="zh-CN"/>
+          </a:p>
+        </p:txBody>
+      </p:sp>
+      <p:sp>
+        <p:nvSpPr>
+          <p:cNvPr id="6" name="文本框 5"/>
+          <p:cNvSpPr txBox="1"/>
+          <p:nvPr/>
+        </p:nvSpPr>
+        <p:spPr>
+          <a:xfrm>
+            <a:off x="1110615" y="1049655"/>
+            <a:ext cx="6763385" cy="1371600"/>
+          </a:xfrm>
+          <a:prstGeom prst="rect">
+            <a:avLst/>
+          </a:prstGeom>
+          <a:noFill/>
+        </p:spPr>
+        <p:txBody>
+          <a:bodyPr wrap="square" rtlCol="0">
+            <a:spAutoFit/>
+          </a:bodyPr>
+          <a:p>
+            <a:r>
+              <a:rPr lang="zh-CN" altLang="en-US" sz="2000" b="1">
+                <a:latin typeface="宋体" panose="02010600030101010101" pitchFamily="2" charset="-122"/>
+                <a:ea typeface="宋体" panose="02010600030101010101" pitchFamily="2" charset="-122"/>
+              </a:rPr>
+              <a:t>master和develop分支</a:t>
+            </a:r>
+            <a:endParaRPr lang="zh-CN" altLang="en-US" sz="2000" b="1">
+              <a:latin typeface="宋体" panose="02010600030101010101" pitchFamily="2" charset="-122"/>
+              <a:ea typeface="宋体" panose="02010600030101010101" pitchFamily="2" charset="-122"/>
+            </a:endParaRPr>
+          </a:p>
+          <a:p>
+            <a:pPr algn="l"/>
+            <a:r>
+              <a:rPr lang="zh-CN" altLang="en-US" sz="1600">
+                <a:latin typeface="宋体" panose="02010600030101010101" pitchFamily="2" charset="-122"/>
+                <a:ea typeface="宋体" panose="02010600030101010101" pitchFamily="2" charset="-122"/>
+              </a:rPr>
+              <a:t>master分支只存放历史发布(release)版本的源代码。各个版本通过tag来标记。上图里的v0.1和v0.2就是tag。</a:t>
+            </a:r>
+            <a:endParaRPr lang="zh-CN" altLang="en-US" sz="1600">
+              <a:latin typeface="宋体" panose="02010600030101010101" pitchFamily="2" charset="-122"/>
+              <a:ea typeface="宋体" panose="02010600030101010101" pitchFamily="2" charset="-122"/>
+            </a:endParaRPr>
+          </a:p>
+          <a:p>
+            <a:pPr algn="l"/>
+            <a:r>
+              <a:rPr lang="zh-CN" altLang="en-US" sz="1600">
+                <a:latin typeface="宋体" panose="02010600030101010101" pitchFamily="2" charset="-122"/>
+                <a:ea typeface="宋体" panose="02010600030101010101" pitchFamily="2" charset="-122"/>
+              </a:rPr>
+              <a:t>develop分支则用来整合各个feature分支。开发中的版本的源代码存放在这里。</a:t>
+            </a:r>
+            <a:endParaRPr lang="zh-CN" altLang="en-US" sz="1600">
+              <a:latin typeface="宋体" panose="02010600030101010101" pitchFamily="2" charset="-122"/>
+              <a:ea typeface="宋体" panose="02010600030101010101" pitchFamily="2" charset="-122"/>
+            </a:endParaRPr>
+          </a:p>
+        </p:txBody>
+      </p:sp>
+      <p:pic>
+        <p:nvPicPr>
+          <p:cNvPr id="3" name="图片 2"/>
+          <p:cNvPicPr>
+            <a:picLocks noChangeAspect="1"/>
+          </p:cNvPicPr>
+          <p:nvPr/>
+        </p:nvPicPr>
+        <p:blipFill>
+          <a:blip r:embed="rId1"/>
+          <a:stretch>
+            <a:fillRect/>
+          </a:stretch>
+        </p:blipFill>
+        <p:spPr>
+          <a:xfrm>
+            <a:off x="1174750" y="2601595"/>
+            <a:ext cx="6537325" cy="1770380"/>
+          </a:xfrm>
+          <a:prstGeom prst="rect">
+            <a:avLst/>
+          </a:prstGeom>
+        </p:spPr>
+      </p:pic>
+    </p:spTree>
+    <p:custDataLst>
+      <p:tags r:id="rId2"/>
+    </p:custDataLst>
+  </p:cSld>
+  <p:clrMapOvr>
+    <a:masterClrMapping/>
+  </p:clrMapOvr>
+</p:sld>
+</file>
+
+<file path=ppt/slides/slide16.xml><?xml version="1.0" encoding="utf-8"?>
+<p:sld xmlns:a="http://schemas.openxmlformats.org/drawingml/2006/main" xmlns:r="http://schemas.openxmlformats.org/officeDocument/2006/relationships" xmlns:p="http://schemas.openxmlformats.org/presentationml/2006/main">
+  <p:cSld>
+    <p:spTree>
+      <p:nvGrpSpPr>
+        <p:cNvPr id="1" name=""/>
+        <p:cNvGrpSpPr/>
+        <p:nvPr/>
+      </p:nvGrpSpPr>
+      <p:grpSpPr/>
+      <p:sp>
+        <p:nvSpPr>
+          <p:cNvPr id="2" name="标题 1"/>
+          <p:cNvSpPr>
+            <a:spLocks noGrp="1"/>
+          </p:cNvSpPr>
+          <p:nvPr>
+            <p:ph type="title"/>
+          </p:nvPr>
+        </p:nvSpPr>
+        <p:spPr/>
+        <p:txBody>
+          <a:bodyPr/>
+          <a:p>
+            <a:pPr algn="l"/>
+            <a:r>
+              <a:rPr lang="zh-CN" altLang="en-US">
+                <a:sym typeface="+mn-ea"/>
+              </a:rPr>
+              <a:t>Git</a:t>
+            </a:r>
+            <a:r>
+              <a:rPr lang="en-US" altLang="zh-CN">
+                <a:sym typeface="+mn-ea"/>
+              </a:rPr>
+              <a:t> Flow</a:t>
+            </a:r>
+            <a:endParaRPr lang="en-US" altLang="zh-CN"/>
+          </a:p>
+        </p:txBody>
+      </p:sp>
+      <p:sp>
+        <p:nvSpPr>
+          <p:cNvPr id="6" name="文本框 5"/>
+          <p:cNvSpPr txBox="1"/>
+          <p:nvPr/>
+        </p:nvSpPr>
+        <p:spPr>
+          <a:xfrm>
+            <a:off x="1110615" y="1049655"/>
+            <a:ext cx="6763385" cy="1371600"/>
+          </a:xfrm>
+          <a:prstGeom prst="rect">
+            <a:avLst/>
+          </a:prstGeom>
+          <a:noFill/>
+        </p:spPr>
+        <p:txBody>
+          <a:bodyPr wrap="square" rtlCol="0">
+            <a:spAutoFit/>
+          </a:bodyPr>
+          <a:p>
+            <a:r>
+              <a:rPr lang="zh-CN" altLang="en-US" sz="2000" b="1">
+                <a:latin typeface="宋体" panose="02010600030101010101" pitchFamily="2" charset="-122"/>
+                <a:ea typeface="宋体" panose="02010600030101010101" pitchFamily="2" charset="-122"/>
+              </a:rPr>
+              <a:t>feature分支</a:t>
+            </a:r>
+            <a:endParaRPr lang="zh-CN" altLang="en-US" sz="2000" b="1">
+              <a:latin typeface="宋体" panose="02010600030101010101" pitchFamily="2" charset="-122"/>
+              <a:ea typeface="宋体" panose="02010600030101010101" pitchFamily="2" charset="-122"/>
+            </a:endParaRPr>
+          </a:p>
+          <a:p>
+            <a:pPr algn="l"/>
+            <a:r>
+              <a:rPr lang="zh-CN" altLang="en-US" sz="1600">
+                <a:latin typeface="宋体" panose="02010600030101010101" pitchFamily="2" charset="-122"/>
+                <a:ea typeface="宋体" panose="02010600030101010101" pitchFamily="2" charset="-122"/>
+              </a:rPr>
+              <a:t>每一个特性(feature)都必须在自己的分支里开发，feature分支派生自develop分支。</a:t>
+            </a:r>
+            <a:endParaRPr lang="zh-CN" altLang="en-US" sz="1600">
+              <a:latin typeface="宋体" panose="02010600030101010101" pitchFamily="2" charset="-122"/>
+              <a:ea typeface="宋体" panose="02010600030101010101" pitchFamily="2" charset="-122"/>
+            </a:endParaRPr>
+          </a:p>
+          <a:p>
+            <a:pPr algn="l"/>
+            <a:r>
+              <a:rPr lang="zh-CN" altLang="en-US" sz="1600">
+                <a:latin typeface="宋体" panose="02010600030101010101" pitchFamily="2" charset="-122"/>
+                <a:ea typeface="宋体" panose="02010600030101010101" pitchFamily="2" charset="-122"/>
+              </a:rPr>
+              <a:t>当feature开发完毕后，要合并回develop分支。feature分支永远不会和master分支打交道。</a:t>
+            </a:r>
+            <a:endParaRPr lang="zh-CN" altLang="en-US" sz="1600">
+              <a:latin typeface="宋体" panose="02010600030101010101" pitchFamily="2" charset="-122"/>
+              <a:ea typeface="宋体" panose="02010600030101010101" pitchFamily="2" charset="-122"/>
+            </a:endParaRPr>
+          </a:p>
+        </p:txBody>
+      </p:sp>
+      <p:pic>
+        <p:nvPicPr>
+          <p:cNvPr id="4" name="图片 3"/>
+          <p:cNvPicPr>
+            <a:picLocks noChangeAspect="1"/>
+          </p:cNvPicPr>
+          <p:nvPr/>
+        </p:nvPicPr>
+        <p:blipFill>
+          <a:blip r:embed="rId1"/>
+          <a:stretch>
+            <a:fillRect/>
+          </a:stretch>
+        </p:blipFill>
+        <p:spPr>
+          <a:xfrm>
+            <a:off x="1202055" y="2421255"/>
+            <a:ext cx="6399530" cy="2552065"/>
+          </a:xfrm>
+          <a:prstGeom prst="rect">
+            <a:avLst/>
+          </a:prstGeom>
+        </p:spPr>
+      </p:pic>
+    </p:spTree>
+    <p:custDataLst>
+      <p:tags r:id="rId2"/>
+    </p:custDataLst>
+  </p:cSld>
+  <p:clrMapOvr>
+    <a:masterClrMapping/>
+  </p:clrMapOvr>
+</p:sld>
+</file>
+
+<file path=ppt/slides/slide17.xml><?xml version="1.0" encoding="utf-8"?>
+<p:sld xmlns:a="http://schemas.openxmlformats.org/drawingml/2006/main" xmlns:r="http://schemas.openxmlformats.org/officeDocument/2006/relationships" xmlns:p="http://schemas.openxmlformats.org/presentationml/2006/main">
+  <p:cSld>
+    <p:spTree>
+      <p:nvGrpSpPr>
+        <p:cNvPr id="1" name=""/>
+        <p:cNvGrpSpPr/>
+        <p:nvPr/>
+      </p:nvGrpSpPr>
+      <p:grpSpPr/>
+      <p:sp>
+        <p:nvSpPr>
+          <p:cNvPr id="2" name="标题 1"/>
+          <p:cNvSpPr>
+            <a:spLocks noGrp="1"/>
+          </p:cNvSpPr>
+          <p:nvPr>
+            <p:ph type="title"/>
+          </p:nvPr>
+        </p:nvSpPr>
+        <p:spPr/>
+        <p:txBody>
+          <a:bodyPr/>
+          <a:p>
+            <a:pPr algn="l"/>
+            <a:r>
+              <a:rPr lang="zh-CN" altLang="en-US">
+                <a:sym typeface="+mn-ea"/>
+              </a:rPr>
+              <a:t>Git</a:t>
+            </a:r>
+            <a:r>
+              <a:rPr lang="en-US" altLang="zh-CN">
+                <a:sym typeface="+mn-ea"/>
+              </a:rPr>
+              <a:t> Flow</a:t>
+            </a:r>
+            <a:endParaRPr lang="en-US" altLang="zh-CN"/>
+          </a:p>
+        </p:txBody>
+      </p:sp>
+      <p:sp>
+        <p:nvSpPr>
+          <p:cNvPr id="6" name="文本框 5"/>
+          <p:cNvSpPr txBox="1"/>
+          <p:nvPr/>
+        </p:nvSpPr>
+        <p:spPr>
+          <a:xfrm>
+            <a:off x="1110615" y="1049655"/>
+            <a:ext cx="6763385" cy="2316480"/>
+          </a:xfrm>
+          <a:prstGeom prst="rect">
+            <a:avLst/>
+          </a:prstGeom>
+          <a:noFill/>
+        </p:spPr>
+        <p:txBody>
+          <a:bodyPr wrap="square" rtlCol="0">
+            <a:spAutoFit/>
+          </a:bodyPr>
+          <a:p>
+            <a:r>
+              <a:rPr lang="zh-CN" altLang="en-US" sz="2000" b="1">
+                <a:latin typeface="宋体" panose="02010600030101010101" pitchFamily="2" charset="-122"/>
+                <a:ea typeface="宋体" panose="02010600030101010101" pitchFamily="2" charset="-122"/>
+              </a:rPr>
+              <a:t>release分支</a:t>
+            </a:r>
+            <a:endParaRPr lang="zh-CN" altLang="en-US" sz="2000" b="1">
+              <a:latin typeface="宋体" panose="02010600030101010101" pitchFamily="2" charset="-122"/>
+              <a:ea typeface="宋体" panose="02010600030101010101" pitchFamily="2" charset="-122"/>
+            </a:endParaRPr>
+          </a:p>
+          <a:p>
+            <a:pPr algn="l"/>
+            <a:r>
+              <a:rPr lang="zh-CN" altLang="en-US" sz="1400">
+                <a:latin typeface="宋体" panose="02010600030101010101" pitchFamily="2" charset="-122"/>
+                <a:ea typeface="宋体" panose="02010600030101010101" pitchFamily="2" charset="-122"/>
+              </a:rPr>
+              <a:t>release分支不是一个放正式发布产品的分支，你可以将它理解为“待发布”分支。</a:t>
+            </a:r>
+            <a:endParaRPr lang="zh-CN" altLang="en-US" sz="1400">
+              <a:latin typeface="宋体" panose="02010600030101010101" pitchFamily="2" charset="-122"/>
+              <a:ea typeface="宋体" panose="02010600030101010101" pitchFamily="2" charset="-122"/>
+            </a:endParaRPr>
+          </a:p>
+          <a:p>
+            <a:pPr algn="l"/>
+            <a:r>
+              <a:rPr lang="zh-CN" altLang="en-US" sz="1400">
+                <a:latin typeface="宋体" panose="02010600030101010101" pitchFamily="2" charset="-122"/>
+                <a:ea typeface="宋体" panose="02010600030101010101" pitchFamily="2" charset="-122"/>
+              </a:rPr>
+              <a:t>我们用这个分支干所有和发布有关的事情，比如：</a:t>
+            </a:r>
+            <a:endParaRPr lang="zh-CN" altLang="en-US" sz="1400">
+              <a:latin typeface="宋体" panose="02010600030101010101" pitchFamily="2" charset="-122"/>
+              <a:ea typeface="宋体" panose="02010600030101010101" pitchFamily="2" charset="-122"/>
+            </a:endParaRPr>
+          </a:p>
+          <a:p>
+            <a:pPr algn="l"/>
+            <a:r>
+              <a:rPr lang="zh-CN" altLang="en-US" sz="1400">
+                <a:latin typeface="宋体" panose="02010600030101010101" pitchFamily="2" charset="-122"/>
+                <a:ea typeface="宋体" panose="02010600030101010101" pitchFamily="2" charset="-122"/>
+              </a:rPr>
+              <a:t>把这个分支打包给测试人员测试</a:t>
+            </a:r>
+            <a:endParaRPr lang="zh-CN" altLang="en-US" sz="1400">
+              <a:latin typeface="宋体" panose="02010600030101010101" pitchFamily="2" charset="-122"/>
+              <a:ea typeface="宋体" panose="02010600030101010101" pitchFamily="2" charset="-122"/>
+            </a:endParaRPr>
+          </a:p>
+          <a:p>
+            <a:pPr algn="l"/>
+            <a:r>
+              <a:rPr lang="zh-CN" altLang="en-US" sz="1400">
+                <a:latin typeface="宋体" panose="02010600030101010101" pitchFamily="2" charset="-122"/>
+                <a:ea typeface="宋体" panose="02010600030101010101" pitchFamily="2" charset="-122"/>
+              </a:rPr>
+              <a:t>在这个分支里修复bug</a:t>
+            </a:r>
+            <a:endParaRPr lang="zh-CN" altLang="en-US" sz="1400">
+              <a:latin typeface="宋体" panose="02010600030101010101" pitchFamily="2" charset="-122"/>
+              <a:ea typeface="宋体" panose="02010600030101010101" pitchFamily="2" charset="-122"/>
+            </a:endParaRPr>
+          </a:p>
+          <a:p>
+            <a:pPr algn="l"/>
+            <a:r>
+              <a:rPr lang="zh-CN" altLang="en-US" sz="1400">
+                <a:latin typeface="宋体" panose="02010600030101010101" pitchFamily="2" charset="-122"/>
+                <a:ea typeface="宋体" panose="02010600030101010101" pitchFamily="2" charset="-122"/>
+              </a:rPr>
+              <a:t>编写发布文档</a:t>
+            </a:r>
+            <a:endParaRPr lang="zh-CN" altLang="en-US" sz="1400">
+              <a:latin typeface="宋体" panose="02010600030101010101" pitchFamily="2" charset="-122"/>
+              <a:ea typeface="宋体" panose="02010600030101010101" pitchFamily="2" charset="-122"/>
+            </a:endParaRPr>
+          </a:p>
+          <a:p>
+            <a:pPr algn="l"/>
+            <a:r>
+              <a:rPr lang="zh-CN" altLang="en-US" sz="1400">
+                <a:latin typeface="宋体" panose="02010600030101010101" pitchFamily="2" charset="-122"/>
+                <a:ea typeface="宋体" panose="02010600030101010101" pitchFamily="2" charset="-122"/>
+              </a:rPr>
+              <a:t>所以在这个分支里面绝对不会添加新的特性。</a:t>
+            </a:r>
+            <a:endParaRPr lang="zh-CN" altLang="en-US" sz="1400">
+              <a:latin typeface="宋体" panose="02010600030101010101" pitchFamily="2" charset="-122"/>
+              <a:ea typeface="宋体" panose="02010600030101010101" pitchFamily="2" charset="-122"/>
+            </a:endParaRPr>
+          </a:p>
+          <a:p>
+            <a:pPr algn="l"/>
+            <a:r>
+              <a:rPr lang="zh-CN" altLang="en-US" sz="1400">
+                <a:latin typeface="宋体" panose="02010600030101010101" pitchFamily="2" charset="-122"/>
+                <a:ea typeface="宋体" panose="02010600030101010101" pitchFamily="2" charset="-122"/>
+              </a:rPr>
+              <a:t>当和发布相关的工作都完成后，release分支合并回develop和master分支。</a:t>
+            </a:r>
+            <a:endParaRPr lang="zh-CN" altLang="en-US" sz="1400">
+              <a:latin typeface="宋体" panose="02010600030101010101" pitchFamily="2" charset="-122"/>
+              <a:ea typeface="宋体" panose="02010600030101010101" pitchFamily="2" charset="-122"/>
+            </a:endParaRPr>
+          </a:p>
+          <a:p>
+            <a:pPr algn="l"/>
+            <a:r>
+              <a:rPr lang="zh-CN" altLang="en-US" sz="1400">
+                <a:latin typeface="宋体" panose="02010600030101010101" pitchFamily="2" charset="-122"/>
+                <a:ea typeface="宋体" panose="02010600030101010101" pitchFamily="2" charset="-122"/>
+              </a:rPr>
+              <a:t>单独搞一个release分支的好处是，当一个团队在做发布相关的工作时，另一个团队则可以接着开发下一版本的东西。</a:t>
+            </a:r>
+            <a:endParaRPr lang="zh-CN" altLang="en-US" sz="1400">
+              <a:latin typeface="宋体" panose="02010600030101010101" pitchFamily="2" charset="-122"/>
+              <a:ea typeface="宋体" panose="02010600030101010101" pitchFamily="2" charset="-122"/>
+            </a:endParaRPr>
+          </a:p>
+        </p:txBody>
+      </p:sp>
+      <p:pic>
+        <p:nvPicPr>
+          <p:cNvPr id="3" name="图片 2"/>
+          <p:cNvPicPr>
+            <a:picLocks noChangeAspect="1"/>
+          </p:cNvPicPr>
+          <p:nvPr/>
+        </p:nvPicPr>
+        <p:blipFill>
+          <a:blip r:embed="rId1"/>
+          <a:stretch>
+            <a:fillRect/>
+          </a:stretch>
+        </p:blipFill>
+        <p:spPr>
+          <a:xfrm>
+            <a:off x="1218565" y="3438525"/>
+            <a:ext cx="6548120" cy="3047365"/>
+          </a:xfrm>
+          <a:prstGeom prst="rect">
+            <a:avLst/>
+          </a:prstGeom>
+        </p:spPr>
+      </p:pic>
+    </p:spTree>
+    <p:custDataLst>
+      <p:tags r:id="rId2"/>
+    </p:custDataLst>
+  </p:cSld>
+  <p:clrMapOvr>
+    <a:masterClrMapping/>
+  </p:clrMapOvr>
+</p:sld>
+</file>
+
+<file path=ppt/slides/slide18.xml><?xml version="1.0" encoding="utf-8"?>
 <p:sld xmlns:a="http://schemas.openxmlformats.org/drawingml/2006/main" xmlns:r="http://schemas.openxmlformats.org/officeDocument/2006/relationships" xmlns:p="http://schemas.openxmlformats.org/presentationml/2006/main">
   <p:cSld>
     <p:spTree>
@@ -4437,20 +5391,1201 @@
           </a:p>
         </p:txBody>
       </p:sp>
-      <p:sp>
-        <p:nvSpPr>
-          <p:cNvPr id="18" name="立方体 17"/>
+      <p:grpSp>
+        <p:nvGrpSpPr>
+          <p:cNvPr id="5" name="组合 4"/>
+          <p:cNvGrpSpPr/>
+          <p:nvPr/>
+        </p:nvGrpSpPr>
+        <p:grpSpPr>
+          <a:xfrm>
+            <a:off x="2119630" y="2496820"/>
+            <a:ext cx="3325495" cy="2135147"/>
+            <a:chOff x="3338" y="3932"/>
+            <a:chExt cx="5355" cy="3439"/>
+          </a:xfrm>
+        </p:grpSpPr>
+        <p:sp>
+          <p:nvSpPr>
+            <p:cNvPr id="18" name="立方体 17"/>
+            <p:cNvSpPr/>
+            <p:nvPr>
+              <p:custDataLst>
+                <p:tags r:id="rId3"/>
+              </p:custDataLst>
+            </p:nvPr>
+          </p:nvSpPr>
+          <p:spPr>
+            <a:xfrm>
+              <a:off x="3338" y="5887"/>
+              <a:ext cx="534" cy="518"/>
+            </a:xfrm>
+            <a:prstGeom prst="cube">
+              <a:avLst/>
+            </a:prstGeom>
+            <a:solidFill>
+              <a:schemeClr val="accent1"/>
+            </a:solidFill>
+            <a:ln>
+              <a:noFill/>
+            </a:ln>
+          </p:spPr>
+          <p:style>
+            <a:lnRef idx="2">
+              <a:schemeClr val="accent1">
+                <a:shade val="50000"/>
+              </a:schemeClr>
+            </a:lnRef>
+            <a:fillRef idx="1">
+              <a:schemeClr val="accent1"/>
+            </a:fillRef>
+            <a:effectRef idx="0">
+              <a:schemeClr val="accent1"/>
+            </a:effectRef>
+            <a:fontRef idx="minor">
+              <a:schemeClr val="lt1"/>
+            </a:fontRef>
+          </p:style>
+          <p:txBody>
+            <a:bodyPr rtlCol="0" anchor="ctr"/>
+            <a:lstStyle/>
+            <a:p>
+              <a:pPr algn="ctr"/>
+              <a:r>
+                <a:rPr lang="en-US" altLang="zh-CN" sz="1350" b="1" dirty="0">
+                  <a:solidFill>
+                    <a:schemeClr val="bg1"/>
+                  </a:solidFill>
+                </a:rPr>
+                <a:t>3</a:t>
+              </a:r>
+              <a:endParaRPr lang="zh-CN" altLang="en-US" sz="1350" b="1" dirty="0">
+                <a:solidFill>
+                  <a:schemeClr val="bg1"/>
+                </a:solidFill>
+              </a:endParaRPr>
+            </a:p>
+          </p:txBody>
+        </p:sp>
+        <p:sp>
+          <p:nvSpPr>
+            <p:cNvPr id="19" name="立方体 18"/>
+            <p:cNvSpPr/>
+            <p:nvPr>
+              <p:custDataLst>
+                <p:tags r:id="rId4"/>
+              </p:custDataLst>
+            </p:nvPr>
+          </p:nvSpPr>
+          <p:spPr>
+            <a:xfrm>
+              <a:off x="3338" y="6853"/>
+              <a:ext cx="534" cy="518"/>
+            </a:xfrm>
+            <a:prstGeom prst="cube">
+              <a:avLst/>
+            </a:prstGeom>
+            <a:solidFill>
+              <a:schemeClr val="accent1"/>
+            </a:solidFill>
+            <a:ln>
+              <a:noFill/>
+            </a:ln>
+          </p:spPr>
+          <p:style>
+            <a:lnRef idx="2">
+              <a:schemeClr val="accent1">
+                <a:shade val="50000"/>
+              </a:schemeClr>
+            </a:lnRef>
+            <a:fillRef idx="1">
+              <a:schemeClr val="accent1"/>
+            </a:fillRef>
+            <a:effectRef idx="0">
+              <a:schemeClr val="accent1"/>
+            </a:effectRef>
+            <a:fontRef idx="minor">
+              <a:schemeClr val="lt1"/>
+            </a:fontRef>
+          </p:style>
+          <p:txBody>
+            <a:bodyPr rtlCol="0" anchor="ctr"/>
+            <a:lstStyle/>
+            <a:p>
+              <a:pPr algn="ctr"/>
+              <a:r>
+                <a:rPr lang="en-US" altLang="zh-CN" sz="1350" b="1" dirty="0">
+                  <a:solidFill>
+                    <a:schemeClr val="bg1"/>
+                  </a:solidFill>
+                </a:rPr>
+                <a:t>4</a:t>
+              </a:r>
+              <a:endParaRPr lang="zh-CN" altLang="en-US" sz="1350" b="1" dirty="0">
+                <a:solidFill>
+                  <a:schemeClr val="bg1"/>
+                </a:solidFill>
+              </a:endParaRPr>
+            </a:p>
+          </p:txBody>
+        </p:sp>
+        <p:sp>
+          <p:nvSpPr>
+            <p:cNvPr id="22" name="立方体 21"/>
+            <p:cNvSpPr/>
+            <p:nvPr>
+              <p:custDataLst>
+                <p:tags r:id="rId5"/>
+              </p:custDataLst>
+            </p:nvPr>
+          </p:nvSpPr>
+          <p:spPr>
+            <a:xfrm>
+              <a:off x="3338" y="3955"/>
+              <a:ext cx="534" cy="518"/>
+            </a:xfrm>
+            <a:prstGeom prst="cube">
+              <a:avLst/>
+            </a:prstGeom>
+            <a:solidFill>
+              <a:schemeClr val="accent1"/>
+            </a:solidFill>
+            <a:ln>
+              <a:noFill/>
+            </a:ln>
+          </p:spPr>
+          <p:style>
+            <a:lnRef idx="2">
+              <a:schemeClr val="accent1">
+                <a:shade val="50000"/>
+              </a:schemeClr>
+            </a:lnRef>
+            <a:fillRef idx="1">
+              <a:schemeClr val="accent1"/>
+            </a:fillRef>
+            <a:effectRef idx="0">
+              <a:schemeClr val="accent1"/>
+            </a:effectRef>
+            <a:fontRef idx="minor">
+              <a:schemeClr val="lt1"/>
+            </a:fontRef>
+          </p:style>
+          <p:txBody>
+            <a:bodyPr rtlCol="0" anchor="ctr"/>
+            <a:lstStyle/>
+            <a:p>
+              <a:pPr algn="ctr"/>
+              <a:r>
+                <a:rPr lang="en-US" altLang="zh-CN" sz="1350" b="1" dirty="0">
+                  <a:solidFill>
+                    <a:schemeClr val="bg1"/>
+                  </a:solidFill>
+                </a:rPr>
+                <a:t>1</a:t>
+              </a:r>
+              <a:endParaRPr lang="zh-CN" altLang="en-US" sz="1350" b="1" dirty="0">
+                <a:solidFill>
+                  <a:schemeClr val="bg1"/>
+                </a:solidFill>
+              </a:endParaRPr>
+            </a:p>
+          </p:txBody>
+        </p:sp>
+        <p:sp>
+          <p:nvSpPr>
+            <p:cNvPr id="23" name="立方体 22"/>
+            <p:cNvSpPr/>
+            <p:nvPr>
+              <p:custDataLst>
+                <p:tags r:id="rId6"/>
+              </p:custDataLst>
+            </p:nvPr>
+          </p:nvSpPr>
+          <p:spPr>
+            <a:xfrm>
+              <a:off x="3338" y="4921"/>
+              <a:ext cx="534" cy="518"/>
+            </a:xfrm>
+            <a:prstGeom prst="cube">
+              <a:avLst/>
+            </a:prstGeom>
+            <a:solidFill>
+              <a:schemeClr val="accent1"/>
+            </a:solidFill>
+            <a:ln>
+              <a:noFill/>
+            </a:ln>
+          </p:spPr>
+          <p:style>
+            <a:lnRef idx="2">
+              <a:schemeClr val="accent1">
+                <a:shade val="50000"/>
+              </a:schemeClr>
+            </a:lnRef>
+            <a:fillRef idx="1">
+              <a:schemeClr val="accent1"/>
+            </a:fillRef>
+            <a:effectRef idx="0">
+              <a:schemeClr val="accent1"/>
+            </a:effectRef>
+            <a:fontRef idx="minor">
+              <a:schemeClr val="lt1"/>
+            </a:fontRef>
+          </p:style>
+          <p:txBody>
+            <a:bodyPr rtlCol="0" anchor="ctr"/>
+            <a:lstStyle/>
+            <a:p>
+              <a:pPr algn="ctr"/>
+              <a:r>
+                <a:rPr lang="en-US" altLang="zh-CN" sz="1350" b="1" dirty="0">
+                  <a:solidFill>
+                    <a:schemeClr val="bg1"/>
+                  </a:solidFill>
+                </a:rPr>
+                <a:t>2</a:t>
+              </a:r>
+              <a:endParaRPr lang="zh-CN" altLang="en-US" sz="1350" b="1" dirty="0">
+                <a:solidFill>
+                  <a:schemeClr val="bg1"/>
+                </a:solidFill>
+              </a:endParaRPr>
+            </a:p>
+          </p:txBody>
+        </p:sp>
+        <p:sp>
+          <p:nvSpPr>
+            <p:cNvPr id="25" name="文本框 24"/>
+            <p:cNvSpPr txBox="1"/>
+            <p:nvPr>
+              <p:custDataLst>
+                <p:tags r:id="rId7"/>
+              </p:custDataLst>
+            </p:nvPr>
+          </p:nvSpPr>
+          <p:spPr>
+            <a:xfrm>
+              <a:off x="4053" y="3932"/>
+              <a:ext cx="3980" cy="574"/>
+            </a:xfrm>
+            <a:prstGeom prst="rect">
+              <a:avLst/>
+            </a:prstGeom>
+            <a:noFill/>
+            <a:ln>
+              <a:noFill/>
+            </a:ln>
+            <a:effectLst/>
+            <a:extLst>
+              <a:ext uri="{909E8E84-426E-40DD-AFC4-6F175D3DCCD1}">
+                <a14:hiddenFill xmlns:a14="http://schemas.microsoft.com/office/drawing/2010/main">
+                  <a:solidFill>
+                    <a:schemeClr val="accent1"/>
+                  </a:solidFill>
+                </a14:hiddenFill>
+              </a:ext>
+              <a:ext uri="{AF507438-7753-43E0-B8FC-AC1667EBCBE1}">
+                <a14:hiddenEffects xmlns:a14="http://schemas.microsoft.com/office/drawing/2010/main">
+                  <a:effectLst>
+                    <a:outerShdw dist="35921" dir="2700000" algn="ctr" rotWithShape="0">
+                      <a:schemeClr val="bg2"/>
+                    </a:outerShdw>
+                  </a:effectLst>
+                </a14:hiddenEffects>
+              </a:ext>
+            </a:extLst>
+          </p:spPr>
+          <p:txBody>
+            <a:bodyPr wrap="square" lIns="0" tIns="0" rIns="0" bIns="0" anchor="ctr" anchorCtr="0">
+              <a:noAutofit/>
+            </a:bodyPr>
+            <a:lstStyle>
+              <a:defPPr>
+                <a:defRPr lang="zh-CN"/>
+              </a:defPPr>
+              <a:lvl1pPr>
+                <a:lnSpc>
+                  <a:spcPct val="90000"/>
+                </a:lnSpc>
+                <a:spcBef>
+                  <a:spcPct val="0"/>
+                </a:spcBef>
+                <a:buFontTx/>
+                <a:buNone/>
+                <a:defRPr sz="2400">
+                  <a:solidFill>
+                    <a:srgbClr val="333333"/>
+                  </a:solidFill>
+                </a:defRPr>
+              </a:lvl1pPr>
+              <a:lvl2pPr marL="742950" indent="-285750">
+                <a:lnSpc>
+                  <a:spcPct val="90000"/>
+                </a:lnSpc>
+                <a:spcBef>
+                  <a:spcPts val="500"/>
+                </a:spcBef>
+                <a:buFont typeface="Arial" panose="020B0604020202020204" pitchFamily="34" charset="0"/>
+                <a:buChar char="•"/>
+                <a:defRPr sz="2400">
+                  <a:latin typeface="Calibri" panose="020F0502020204030204" pitchFamily="34" charset="0"/>
+                  <a:ea typeface="宋体" panose="02010600030101010101" pitchFamily="2" charset="-122"/>
+                </a:defRPr>
+              </a:lvl2pPr>
+              <a:lvl3pPr marL="1143000" indent="-228600">
+                <a:lnSpc>
+                  <a:spcPct val="90000"/>
+                </a:lnSpc>
+                <a:spcBef>
+                  <a:spcPts val="500"/>
+                </a:spcBef>
+                <a:buFont typeface="Arial" panose="020B0604020202020204" pitchFamily="34" charset="0"/>
+                <a:buChar char="•"/>
+                <a:defRPr sz="2000">
+                  <a:latin typeface="Calibri" panose="020F0502020204030204" pitchFamily="34" charset="0"/>
+                  <a:ea typeface="宋体" panose="02010600030101010101" pitchFamily="2" charset="-122"/>
+                </a:defRPr>
+              </a:lvl3pPr>
+              <a:lvl4pPr marL="1600200" indent="-228600">
+                <a:lnSpc>
+                  <a:spcPct val="90000"/>
+                </a:lnSpc>
+                <a:spcBef>
+                  <a:spcPts val="500"/>
+                </a:spcBef>
+                <a:buFont typeface="Arial" panose="020B0604020202020204" pitchFamily="34" charset="0"/>
+                <a:buChar char="•"/>
+                <a:defRPr>
+                  <a:latin typeface="Calibri" panose="020F0502020204030204" pitchFamily="34" charset="0"/>
+                  <a:ea typeface="宋体" panose="02010600030101010101" pitchFamily="2" charset="-122"/>
+                </a:defRPr>
+              </a:lvl4pPr>
+              <a:lvl5pPr marL="2057400" indent="-228600">
+                <a:lnSpc>
+                  <a:spcPct val="90000"/>
+                </a:lnSpc>
+                <a:spcBef>
+                  <a:spcPts val="500"/>
+                </a:spcBef>
+                <a:buFont typeface="Arial" panose="020B0604020202020204" pitchFamily="34" charset="0"/>
+                <a:buChar char="•"/>
+                <a:defRPr>
+                  <a:latin typeface="Calibri" panose="020F0502020204030204" pitchFamily="34" charset="0"/>
+                  <a:ea typeface="宋体" panose="02010600030101010101" pitchFamily="2" charset="-122"/>
+                </a:defRPr>
+              </a:lvl5pPr>
+              <a:lvl6pPr marL="2514600" indent="-228600" eaLnBrk="0" fontAlgn="base" hangingPunct="0">
+                <a:lnSpc>
+                  <a:spcPct val="90000"/>
+                </a:lnSpc>
+                <a:spcBef>
+                  <a:spcPts val="500"/>
+                </a:spcBef>
+                <a:spcAft>
+                  <a:spcPct val="0"/>
+                </a:spcAft>
+                <a:buFont typeface="Arial" panose="020B0604020202020204" pitchFamily="34" charset="0"/>
+                <a:buChar char="•"/>
+                <a:defRPr>
+                  <a:latin typeface="Calibri" panose="020F0502020204030204" pitchFamily="34" charset="0"/>
+                  <a:ea typeface="宋体" panose="02010600030101010101" pitchFamily="2" charset="-122"/>
+                </a:defRPr>
+              </a:lvl6pPr>
+              <a:lvl7pPr marL="2971800" indent="-228600" eaLnBrk="0" fontAlgn="base" hangingPunct="0">
+                <a:lnSpc>
+                  <a:spcPct val="90000"/>
+                </a:lnSpc>
+                <a:spcBef>
+                  <a:spcPts val="500"/>
+                </a:spcBef>
+                <a:spcAft>
+                  <a:spcPct val="0"/>
+                </a:spcAft>
+                <a:buFont typeface="Arial" panose="020B0604020202020204" pitchFamily="34" charset="0"/>
+                <a:buChar char="•"/>
+                <a:defRPr>
+                  <a:latin typeface="Calibri" panose="020F0502020204030204" pitchFamily="34" charset="0"/>
+                  <a:ea typeface="宋体" panose="02010600030101010101" pitchFamily="2" charset="-122"/>
+                </a:defRPr>
+              </a:lvl7pPr>
+              <a:lvl8pPr marL="3429000" indent="-228600" eaLnBrk="0" fontAlgn="base" hangingPunct="0">
+                <a:lnSpc>
+                  <a:spcPct val="90000"/>
+                </a:lnSpc>
+                <a:spcBef>
+                  <a:spcPts val="500"/>
+                </a:spcBef>
+                <a:spcAft>
+                  <a:spcPct val="0"/>
+                </a:spcAft>
+                <a:buFont typeface="Arial" panose="020B0604020202020204" pitchFamily="34" charset="0"/>
+                <a:buChar char="•"/>
+                <a:defRPr>
+                  <a:latin typeface="Calibri" panose="020F0502020204030204" pitchFamily="34" charset="0"/>
+                  <a:ea typeface="宋体" panose="02010600030101010101" pitchFamily="2" charset="-122"/>
+                </a:defRPr>
+              </a:lvl8pPr>
+              <a:lvl9pPr marL="3886200" indent="-228600" eaLnBrk="0" fontAlgn="base" hangingPunct="0">
+                <a:lnSpc>
+                  <a:spcPct val="90000"/>
+                </a:lnSpc>
+                <a:spcBef>
+                  <a:spcPts val="500"/>
+                </a:spcBef>
+                <a:spcAft>
+                  <a:spcPct val="0"/>
+                </a:spcAft>
+                <a:buFont typeface="Arial" panose="020B0604020202020204" pitchFamily="34" charset="0"/>
+                <a:buChar char="•"/>
+                <a:defRPr>
+                  <a:latin typeface="Calibri" panose="020F0502020204030204" pitchFamily="34" charset="0"/>
+                  <a:ea typeface="宋体" panose="02010600030101010101" pitchFamily="2" charset="-122"/>
+                </a:defRPr>
+              </a:lvl9pPr>
+            </a:lstStyle>
+            <a:p>
+              <a:pPr lvl="0" algn="l"/>
+              <a:r>
+                <a:rPr lang="en-US" altLang="zh-CN" sz="1800" b="1" dirty="0">
+                  <a:solidFill>
+                    <a:srgbClr val="00B050"/>
+                  </a:solidFill>
+                  <a:sym typeface="+mn-ea"/>
+                </a:rPr>
+                <a:t>Git</a:t>
+              </a:r>
+              <a:r>
+                <a:rPr lang="zh-CN" altLang="en-US" sz="1800" b="1" dirty="0">
+                  <a:solidFill>
+                    <a:srgbClr val="00B050"/>
+                  </a:solidFill>
+                  <a:sym typeface="+mn-ea"/>
+                </a:rPr>
+                <a:t>简介</a:t>
+              </a:r>
+              <a:endParaRPr lang="zh-CN" altLang="en-US" sz="1800" b="1" dirty="0">
+                <a:solidFill>
+                  <a:srgbClr val="00B050"/>
+                </a:solidFill>
+                <a:sym typeface="+mn-ea"/>
+              </a:endParaRPr>
+            </a:p>
+          </p:txBody>
+        </p:sp>
+        <p:sp>
+          <p:nvSpPr>
+            <p:cNvPr id="2" name="文本框 1"/>
+            <p:cNvSpPr txBox="1"/>
+            <p:nvPr>
+              <p:custDataLst>
+                <p:tags r:id="rId8"/>
+              </p:custDataLst>
+            </p:nvPr>
+          </p:nvSpPr>
+          <p:spPr>
+            <a:xfrm>
+              <a:off x="4053" y="4893"/>
+              <a:ext cx="3980" cy="574"/>
+            </a:xfrm>
+            <a:prstGeom prst="rect">
+              <a:avLst/>
+            </a:prstGeom>
+            <a:noFill/>
+            <a:ln>
+              <a:noFill/>
+            </a:ln>
+            <a:effectLst/>
+            <a:extLst>
+              <a:ext uri="{909E8E84-426E-40DD-AFC4-6F175D3DCCD1}">
+                <a14:hiddenFill xmlns:a14="http://schemas.microsoft.com/office/drawing/2010/main">
+                  <a:solidFill>
+                    <a:schemeClr val="accent1"/>
+                  </a:solidFill>
+                </a14:hiddenFill>
+              </a:ext>
+              <a:ext uri="{91240B29-F687-4F45-9708-019B960494DF}">
+                <a14:hiddenLine xmlns:a14="http://schemas.microsoft.com/office/drawing/2010/main" w="9525">
+                  <a:solidFill>
+                    <a:schemeClr val="tx1"/>
+                  </a:solidFill>
+                  <a:miter lim="800000"/>
+                  <a:headEnd/>
+                  <a:tailEnd/>
+                </a14:hiddenLine>
+              </a:ext>
+              <a:ext uri="{AF507438-7753-43E0-B8FC-AC1667EBCBE1}">
+                <a14:hiddenEffects xmlns:a14="http://schemas.microsoft.com/office/drawing/2010/main">
+                  <a:effectLst>
+                    <a:outerShdw dist="35921" dir="2700000" algn="ctr" rotWithShape="0">
+                      <a:schemeClr val="bg2"/>
+                    </a:outerShdw>
+                  </a:effectLst>
+                </a14:hiddenEffects>
+              </a:ext>
+            </a:extLst>
+          </p:spPr>
+          <p:txBody>
+            <a:bodyPr wrap="square" lIns="0" tIns="0" rIns="0" bIns="0" anchor="ctr" anchorCtr="0">
+              <a:noAutofit/>
+            </a:bodyPr>
+            <a:lstStyle>
+              <a:defPPr>
+                <a:defRPr lang="zh-CN"/>
+              </a:defPPr>
+              <a:lvl1pPr>
+                <a:lnSpc>
+                  <a:spcPct val="90000"/>
+                </a:lnSpc>
+                <a:spcBef>
+                  <a:spcPct val="0"/>
+                </a:spcBef>
+                <a:buFontTx/>
+                <a:buNone/>
+                <a:defRPr sz="2400">
+                  <a:solidFill>
+                    <a:srgbClr val="333333"/>
+                  </a:solidFill>
+                </a:defRPr>
+              </a:lvl1pPr>
+              <a:lvl2pPr marL="742950" indent="-285750">
+                <a:lnSpc>
+                  <a:spcPct val="90000"/>
+                </a:lnSpc>
+                <a:spcBef>
+                  <a:spcPts val="500"/>
+                </a:spcBef>
+                <a:buFont typeface="Arial" panose="020B0604020202020204" pitchFamily="34" charset="0"/>
+                <a:buChar char="•"/>
+                <a:defRPr sz="2400">
+                  <a:latin typeface="Calibri" panose="020F0502020204030204" pitchFamily="34" charset="0"/>
+                  <a:ea typeface="宋体" panose="02010600030101010101" pitchFamily="2" charset="-122"/>
+                </a:defRPr>
+              </a:lvl2pPr>
+              <a:lvl3pPr marL="1143000" indent="-228600">
+                <a:lnSpc>
+                  <a:spcPct val="90000"/>
+                </a:lnSpc>
+                <a:spcBef>
+                  <a:spcPts val="500"/>
+                </a:spcBef>
+                <a:buFont typeface="Arial" panose="020B0604020202020204" pitchFamily="34" charset="0"/>
+                <a:buChar char="•"/>
+                <a:defRPr sz="2000">
+                  <a:latin typeface="Calibri" panose="020F0502020204030204" pitchFamily="34" charset="0"/>
+                  <a:ea typeface="宋体" panose="02010600030101010101" pitchFamily="2" charset="-122"/>
+                </a:defRPr>
+              </a:lvl3pPr>
+              <a:lvl4pPr marL="1600200" indent="-228600">
+                <a:lnSpc>
+                  <a:spcPct val="90000"/>
+                </a:lnSpc>
+                <a:spcBef>
+                  <a:spcPts val="500"/>
+                </a:spcBef>
+                <a:buFont typeface="Arial" panose="020B0604020202020204" pitchFamily="34" charset="0"/>
+                <a:buChar char="•"/>
+                <a:defRPr>
+                  <a:latin typeface="Calibri" panose="020F0502020204030204" pitchFamily="34" charset="0"/>
+                  <a:ea typeface="宋体" panose="02010600030101010101" pitchFamily="2" charset="-122"/>
+                </a:defRPr>
+              </a:lvl4pPr>
+              <a:lvl5pPr marL="2057400" indent="-228600">
+                <a:lnSpc>
+                  <a:spcPct val="90000"/>
+                </a:lnSpc>
+                <a:spcBef>
+                  <a:spcPts val="500"/>
+                </a:spcBef>
+                <a:buFont typeface="Arial" panose="020B0604020202020204" pitchFamily="34" charset="0"/>
+                <a:buChar char="•"/>
+                <a:defRPr>
+                  <a:latin typeface="Calibri" panose="020F0502020204030204" pitchFamily="34" charset="0"/>
+                  <a:ea typeface="宋体" panose="02010600030101010101" pitchFamily="2" charset="-122"/>
+                </a:defRPr>
+              </a:lvl5pPr>
+              <a:lvl6pPr marL="2514600" indent="-228600" eaLnBrk="0" fontAlgn="base" hangingPunct="0">
+                <a:lnSpc>
+                  <a:spcPct val="90000"/>
+                </a:lnSpc>
+                <a:spcBef>
+                  <a:spcPts val="500"/>
+                </a:spcBef>
+                <a:spcAft>
+                  <a:spcPct val="0"/>
+                </a:spcAft>
+                <a:buFont typeface="Arial" panose="020B0604020202020204" pitchFamily="34" charset="0"/>
+                <a:buChar char="•"/>
+                <a:defRPr>
+                  <a:latin typeface="Calibri" panose="020F0502020204030204" pitchFamily="34" charset="0"/>
+                  <a:ea typeface="宋体" panose="02010600030101010101" pitchFamily="2" charset="-122"/>
+                </a:defRPr>
+              </a:lvl6pPr>
+              <a:lvl7pPr marL="2971800" indent="-228600" eaLnBrk="0" fontAlgn="base" hangingPunct="0">
+                <a:lnSpc>
+                  <a:spcPct val="90000"/>
+                </a:lnSpc>
+                <a:spcBef>
+                  <a:spcPts val="500"/>
+                </a:spcBef>
+                <a:spcAft>
+                  <a:spcPct val="0"/>
+                </a:spcAft>
+                <a:buFont typeface="Arial" panose="020B0604020202020204" pitchFamily="34" charset="0"/>
+                <a:buChar char="•"/>
+                <a:defRPr>
+                  <a:latin typeface="Calibri" panose="020F0502020204030204" pitchFamily="34" charset="0"/>
+                  <a:ea typeface="宋体" panose="02010600030101010101" pitchFamily="2" charset="-122"/>
+                </a:defRPr>
+              </a:lvl7pPr>
+              <a:lvl8pPr marL="3429000" indent="-228600" eaLnBrk="0" fontAlgn="base" hangingPunct="0">
+                <a:lnSpc>
+                  <a:spcPct val="90000"/>
+                </a:lnSpc>
+                <a:spcBef>
+                  <a:spcPts val="500"/>
+                </a:spcBef>
+                <a:spcAft>
+                  <a:spcPct val="0"/>
+                </a:spcAft>
+                <a:buFont typeface="Arial" panose="020B0604020202020204" pitchFamily="34" charset="0"/>
+                <a:buChar char="•"/>
+                <a:defRPr>
+                  <a:latin typeface="Calibri" panose="020F0502020204030204" pitchFamily="34" charset="0"/>
+                  <a:ea typeface="宋体" panose="02010600030101010101" pitchFamily="2" charset="-122"/>
+                </a:defRPr>
+              </a:lvl8pPr>
+              <a:lvl9pPr marL="3886200" indent="-228600" eaLnBrk="0" fontAlgn="base" hangingPunct="0">
+                <a:lnSpc>
+                  <a:spcPct val="90000"/>
+                </a:lnSpc>
+                <a:spcBef>
+                  <a:spcPts val="500"/>
+                </a:spcBef>
+                <a:spcAft>
+                  <a:spcPct val="0"/>
+                </a:spcAft>
+                <a:buFont typeface="Arial" panose="020B0604020202020204" pitchFamily="34" charset="0"/>
+                <a:buChar char="•"/>
+                <a:defRPr>
+                  <a:latin typeface="Calibri" panose="020F0502020204030204" pitchFamily="34" charset="0"/>
+                  <a:ea typeface="宋体" panose="02010600030101010101" pitchFamily="2" charset="-122"/>
+                </a:defRPr>
+              </a:lvl9pPr>
+            </a:lstStyle>
+            <a:p>
+              <a:r>
+                <a:rPr lang="en-US" altLang="zh-CN" sz="1800" b="1" dirty="0">
+                  <a:solidFill>
+                    <a:srgbClr val="00B050"/>
+                  </a:solidFill>
+                </a:rPr>
+                <a:t>Git</a:t>
+              </a:r>
+              <a:r>
+                <a:rPr lang="zh-CN" altLang="en-US" sz="1800" b="1" dirty="0">
+                  <a:solidFill>
+                    <a:srgbClr val="00B050"/>
+                  </a:solidFill>
+                </a:rPr>
+                <a:t>安装</a:t>
+              </a:r>
+              <a:r>
+                <a:rPr lang="en-US" altLang="zh-CN" sz="1800" b="1" dirty="0">
+                  <a:solidFill>
+                    <a:srgbClr val="00B050"/>
+                  </a:solidFill>
+                </a:rPr>
+                <a:t>&amp;Git</a:t>
+              </a:r>
+              <a:r>
+                <a:rPr lang="zh-CN" altLang="en-US" sz="1800" b="1" dirty="0">
+                  <a:solidFill>
+                    <a:srgbClr val="00B050"/>
+                  </a:solidFill>
+                </a:rPr>
+                <a:t>命令</a:t>
+              </a:r>
+              <a:endParaRPr lang="zh-CN" altLang="en-US" sz="1800" b="1" dirty="0">
+                <a:solidFill>
+                  <a:srgbClr val="00B050"/>
+                </a:solidFill>
+              </a:endParaRPr>
+            </a:p>
+          </p:txBody>
+        </p:sp>
+        <p:sp>
+          <p:nvSpPr>
+            <p:cNvPr id="3" name="文本框 2"/>
+            <p:cNvSpPr txBox="1"/>
+            <p:nvPr>
+              <p:custDataLst>
+                <p:tags r:id="rId9"/>
+              </p:custDataLst>
+            </p:nvPr>
+          </p:nvSpPr>
+          <p:spPr>
+            <a:xfrm>
+              <a:off x="4053" y="5842"/>
+              <a:ext cx="4641" cy="574"/>
+            </a:xfrm>
+            <a:prstGeom prst="rect">
+              <a:avLst/>
+            </a:prstGeom>
+            <a:noFill/>
+            <a:ln>
+              <a:noFill/>
+            </a:ln>
+            <a:effectLst/>
+            <a:extLst>
+              <a:ext uri="{909E8E84-426E-40DD-AFC4-6F175D3DCCD1}">
+                <a14:hiddenFill xmlns:a14="http://schemas.microsoft.com/office/drawing/2010/main">
+                  <a:solidFill>
+                    <a:schemeClr val="accent1"/>
+                  </a:solidFill>
+                </a14:hiddenFill>
+              </a:ext>
+              <a:ext uri="{91240B29-F687-4F45-9708-019B960494DF}">
+                <a14:hiddenLine xmlns:a14="http://schemas.microsoft.com/office/drawing/2010/main" w="9525">
+                  <a:solidFill>
+                    <a:schemeClr val="tx1"/>
+                  </a:solidFill>
+                  <a:miter lim="800000"/>
+                  <a:headEnd/>
+                  <a:tailEnd/>
+                </a14:hiddenLine>
+              </a:ext>
+              <a:ext uri="{AF507438-7753-43E0-B8FC-AC1667EBCBE1}">
+                <a14:hiddenEffects xmlns:a14="http://schemas.microsoft.com/office/drawing/2010/main">
+                  <a:effectLst>
+                    <a:outerShdw dist="35921" dir="2700000" algn="ctr" rotWithShape="0">
+                      <a:schemeClr val="bg2"/>
+                    </a:outerShdw>
+                  </a:effectLst>
+                </a14:hiddenEffects>
+              </a:ext>
+            </a:extLst>
+          </p:spPr>
+          <p:txBody>
+            <a:bodyPr wrap="square" lIns="0" tIns="0" rIns="0" bIns="0" anchor="ctr" anchorCtr="0">
+              <a:noAutofit/>
+            </a:bodyPr>
+            <a:lstStyle>
+              <a:defPPr>
+                <a:defRPr lang="zh-CN"/>
+              </a:defPPr>
+              <a:lvl1pPr>
+                <a:lnSpc>
+                  <a:spcPct val="90000"/>
+                </a:lnSpc>
+                <a:spcBef>
+                  <a:spcPct val="0"/>
+                </a:spcBef>
+                <a:buFontTx/>
+                <a:buNone/>
+                <a:defRPr sz="2400">
+                  <a:solidFill>
+                    <a:srgbClr val="333333"/>
+                  </a:solidFill>
+                </a:defRPr>
+              </a:lvl1pPr>
+              <a:lvl2pPr marL="742950" indent="-285750">
+                <a:lnSpc>
+                  <a:spcPct val="90000"/>
+                </a:lnSpc>
+                <a:spcBef>
+                  <a:spcPts val="500"/>
+                </a:spcBef>
+                <a:buFont typeface="Arial" panose="020B0604020202020204" pitchFamily="34" charset="0"/>
+                <a:buChar char="•"/>
+                <a:defRPr sz="2400">
+                  <a:latin typeface="Calibri" panose="020F0502020204030204" pitchFamily="34" charset="0"/>
+                  <a:ea typeface="宋体" panose="02010600030101010101" pitchFamily="2" charset="-122"/>
+                </a:defRPr>
+              </a:lvl2pPr>
+              <a:lvl3pPr marL="1143000" indent="-228600">
+                <a:lnSpc>
+                  <a:spcPct val="90000"/>
+                </a:lnSpc>
+                <a:spcBef>
+                  <a:spcPts val="500"/>
+                </a:spcBef>
+                <a:buFont typeface="Arial" panose="020B0604020202020204" pitchFamily="34" charset="0"/>
+                <a:buChar char="•"/>
+                <a:defRPr sz="2000">
+                  <a:latin typeface="Calibri" panose="020F0502020204030204" pitchFamily="34" charset="0"/>
+                  <a:ea typeface="宋体" panose="02010600030101010101" pitchFamily="2" charset="-122"/>
+                </a:defRPr>
+              </a:lvl3pPr>
+              <a:lvl4pPr marL="1600200" indent="-228600">
+                <a:lnSpc>
+                  <a:spcPct val="90000"/>
+                </a:lnSpc>
+                <a:spcBef>
+                  <a:spcPts val="500"/>
+                </a:spcBef>
+                <a:buFont typeface="Arial" panose="020B0604020202020204" pitchFamily="34" charset="0"/>
+                <a:buChar char="•"/>
+                <a:defRPr>
+                  <a:latin typeface="Calibri" panose="020F0502020204030204" pitchFamily="34" charset="0"/>
+                  <a:ea typeface="宋体" panose="02010600030101010101" pitchFamily="2" charset="-122"/>
+                </a:defRPr>
+              </a:lvl4pPr>
+              <a:lvl5pPr marL="2057400" indent="-228600">
+                <a:lnSpc>
+                  <a:spcPct val="90000"/>
+                </a:lnSpc>
+                <a:spcBef>
+                  <a:spcPts val="500"/>
+                </a:spcBef>
+                <a:buFont typeface="Arial" panose="020B0604020202020204" pitchFamily="34" charset="0"/>
+                <a:buChar char="•"/>
+                <a:defRPr>
+                  <a:latin typeface="Calibri" panose="020F0502020204030204" pitchFamily="34" charset="0"/>
+                  <a:ea typeface="宋体" panose="02010600030101010101" pitchFamily="2" charset="-122"/>
+                </a:defRPr>
+              </a:lvl5pPr>
+              <a:lvl6pPr marL="2514600" indent="-228600" eaLnBrk="0" fontAlgn="base" hangingPunct="0">
+                <a:lnSpc>
+                  <a:spcPct val="90000"/>
+                </a:lnSpc>
+                <a:spcBef>
+                  <a:spcPts val="500"/>
+                </a:spcBef>
+                <a:spcAft>
+                  <a:spcPct val="0"/>
+                </a:spcAft>
+                <a:buFont typeface="Arial" panose="020B0604020202020204" pitchFamily="34" charset="0"/>
+                <a:buChar char="•"/>
+                <a:defRPr>
+                  <a:latin typeface="Calibri" panose="020F0502020204030204" pitchFamily="34" charset="0"/>
+                  <a:ea typeface="宋体" panose="02010600030101010101" pitchFamily="2" charset="-122"/>
+                </a:defRPr>
+              </a:lvl6pPr>
+              <a:lvl7pPr marL="2971800" indent="-228600" eaLnBrk="0" fontAlgn="base" hangingPunct="0">
+                <a:lnSpc>
+                  <a:spcPct val="90000"/>
+                </a:lnSpc>
+                <a:spcBef>
+                  <a:spcPts val="500"/>
+                </a:spcBef>
+                <a:spcAft>
+                  <a:spcPct val="0"/>
+                </a:spcAft>
+                <a:buFont typeface="Arial" panose="020B0604020202020204" pitchFamily="34" charset="0"/>
+                <a:buChar char="•"/>
+                <a:defRPr>
+                  <a:latin typeface="Calibri" panose="020F0502020204030204" pitchFamily="34" charset="0"/>
+                  <a:ea typeface="宋体" panose="02010600030101010101" pitchFamily="2" charset="-122"/>
+                </a:defRPr>
+              </a:lvl7pPr>
+              <a:lvl8pPr marL="3429000" indent="-228600" eaLnBrk="0" fontAlgn="base" hangingPunct="0">
+                <a:lnSpc>
+                  <a:spcPct val="90000"/>
+                </a:lnSpc>
+                <a:spcBef>
+                  <a:spcPts val="500"/>
+                </a:spcBef>
+                <a:spcAft>
+                  <a:spcPct val="0"/>
+                </a:spcAft>
+                <a:buFont typeface="Arial" panose="020B0604020202020204" pitchFamily="34" charset="0"/>
+                <a:buChar char="•"/>
+                <a:defRPr>
+                  <a:latin typeface="Calibri" panose="020F0502020204030204" pitchFamily="34" charset="0"/>
+                  <a:ea typeface="宋体" panose="02010600030101010101" pitchFamily="2" charset="-122"/>
+                </a:defRPr>
+              </a:lvl8pPr>
+              <a:lvl9pPr marL="3886200" indent="-228600" eaLnBrk="0" fontAlgn="base" hangingPunct="0">
+                <a:lnSpc>
+                  <a:spcPct val="90000"/>
+                </a:lnSpc>
+                <a:spcBef>
+                  <a:spcPts val="500"/>
+                </a:spcBef>
+                <a:spcAft>
+                  <a:spcPct val="0"/>
+                </a:spcAft>
+                <a:buFont typeface="Arial" panose="020B0604020202020204" pitchFamily="34" charset="0"/>
+                <a:buChar char="•"/>
+                <a:defRPr>
+                  <a:latin typeface="Calibri" panose="020F0502020204030204" pitchFamily="34" charset="0"/>
+                  <a:ea typeface="宋体" panose="02010600030101010101" pitchFamily="2" charset="-122"/>
+                </a:defRPr>
+              </a:lvl9pPr>
+            </a:lstStyle>
+            <a:p>
+              <a:r>
+                <a:rPr lang="en-US" altLang="zh-CN" sz="1800" b="1" dirty="0">
+                  <a:solidFill>
+                    <a:srgbClr val="00B050"/>
+                  </a:solidFill>
+                </a:rPr>
+                <a:t>Git</a:t>
+              </a:r>
+              <a:r>
+                <a:rPr lang="zh-CN" altLang="en-US" sz="1800" b="1" dirty="0">
+                  <a:solidFill>
+                    <a:srgbClr val="00B050"/>
+                  </a:solidFill>
+                </a:rPr>
+                <a:t>界面化</a:t>
+              </a:r>
+              <a:r>
+                <a:rPr lang="zh-CN" altLang="en-US" sz="1800" b="1" dirty="0">
+                  <a:solidFill>
+                    <a:srgbClr val="00B050"/>
+                  </a:solidFill>
+                </a:rPr>
+                <a:t>工具</a:t>
+              </a:r>
+              <a:r>
+                <a:rPr lang="en-US" altLang="zh-CN" sz="1800" b="1" dirty="0">
+                  <a:solidFill>
+                    <a:srgbClr val="00B050"/>
+                  </a:solidFill>
+                </a:rPr>
+                <a:t>TortoiseGit</a:t>
+              </a:r>
+              <a:endParaRPr lang="en-US" altLang="zh-CN" sz="1800" b="1" dirty="0">
+                <a:solidFill>
+                  <a:srgbClr val="00B050"/>
+                </a:solidFill>
+              </a:endParaRPr>
+            </a:p>
+          </p:txBody>
+        </p:sp>
+        <p:sp>
+          <p:nvSpPr>
+            <p:cNvPr id="4" name="文本框 3"/>
+            <p:cNvSpPr txBox="1"/>
+            <p:nvPr>
+              <p:custDataLst>
+                <p:tags r:id="rId10"/>
+              </p:custDataLst>
+            </p:nvPr>
+          </p:nvSpPr>
+          <p:spPr>
+            <a:xfrm>
+              <a:off x="4053" y="6797"/>
+              <a:ext cx="3980" cy="574"/>
+            </a:xfrm>
+            <a:prstGeom prst="rect">
+              <a:avLst/>
+            </a:prstGeom>
+            <a:noFill/>
+            <a:ln>
+              <a:noFill/>
+            </a:ln>
+            <a:effectLst/>
+            <a:extLst>
+              <a:ext uri="{909E8E84-426E-40DD-AFC4-6F175D3DCCD1}">
+                <a14:hiddenFill xmlns:a14="http://schemas.microsoft.com/office/drawing/2010/main">
+                  <a:solidFill>
+                    <a:schemeClr val="accent1"/>
+                  </a:solidFill>
+                </a14:hiddenFill>
+              </a:ext>
+              <a:ext uri="{91240B29-F687-4F45-9708-019B960494DF}">
+                <a14:hiddenLine xmlns:a14="http://schemas.microsoft.com/office/drawing/2010/main" w="9525">
+                  <a:solidFill>
+                    <a:schemeClr val="tx1"/>
+                  </a:solidFill>
+                  <a:miter lim="800000"/>
+                  <a:headEnd/>
+                  <a:tailEnd/>
+                </a14:hiddenLine>
+              </a:ext>
+              <a:ext uri="{AF507438-7753-43E0-B8FC-AC1667EBCBE1}">
+                <a14:hiddenEffects xmlns:a14="http://schemas.microsoft.com/office/drawing/2010/main">
+                  <a:effectLst>
+                    <a:outerShdw dist="35921" dir="2700000" algn="ctr" rotWithShape="0">
+                      <a:schemeClr val="bg2"/>
+                    </a:outerShdw>
+                  </a:effectLst>
+                </a14:hiddenEffects>
+              </a:ext>
+            </a:extLst>
+          </p:spPr>
+          <p:txBody>
+            <a:bodyPr wrap="square" lIns="0" tIns="0" rIns="0" bIns="0" anchor="ctr" anchorCtr="0">
+              <a:noAutofit/>
+            </a:bodyPr>
+            <a:lstStyle>
+              <a:defPPr>
+                <a:defRPr lang="zh-CN"/>
+              </a:defPPr>
+              <a:lvl1pPr>
+                <a:lnSpc>
+                  <a:spcPct val="90000"/>
+                </a:lnSpc>
+                <a:spcBef>
+                  <a:spcPct val="0"/>
+                </a:spcBef>
+                <a:buFontTx/>
+                <a:buNone/>
+                <a:defRPr sz="2400">
+                  <a:solidFill>
+                    <a:srgbClr val="333333"/>
+                  </a:solidFill>
+                </a:defRPr>
+              </a:lvl1pPr>
+              <a:lvl2pPr marL="742950" indent="-285750">
+                <a:lnSpc>
+                  <a:spcPct val="90000"/>
+                </a:lnSpc>
+                <a:spcBef>
+                  <a:spcPts val="500"/>
+                </a:spcBef>
+                <a:buFont typeface="Arial" panose="020B0604020202020204" pitchFamily="34" charset="0"/>
+                <a:buChar char="•"/>
+                <a:defRPr sz="2400">
+                  <a:latin typeface="Calibri" panose="020F0502020204030204" pitchFamily="34" charset="0"/>
+                  <a:ea typeface="宋体" panose="02010600030101010101" pitchFamily="2" charset="-122"/>
+                </a:defRPr>
+              </a:lvl2pPr>
+              <a:lvl3pPr marL="1143000" indent="-228600">
+                <a:lnSpc>
+                  <a:spcPct val="90000"/>
+                </a:lnSpc>
+                <a:spcBef>
+                  <a:spcPts val="500"/>
+                </a:spcBef>
+                <a:buFont typeface="Arial" panose="020B0604020202020204" pitchFamily="34" charset="0"/>
+                <a:buChar char="•"/>
+                <a:defRPr sz="2000">
+                  <a:latin typeface="Calibri" panose="020F0502020204030204" pitchFamily="34" charset="0"/>
+                  <a:ea typeface="宋体" panose="02010600030101010101" pitchFamily="2" charset="-122"/>
+                </a:defRPr>
+              </a:lvl3pPr>
+              <a:lvl4pPr marL="1600200" indent="-228600">
+                <a:lnSpc>
+                  <a:spcPct val="90000"/>
+                </a:lnSpc>
+                <a:spcBef>
+                  <a:spcPts val="500"/>
+                </a:spcBef>
+                <a:buFont typeface="Arial" panose="020B0604020202020204" pitchFamily="34" charset="0"/>
+                <a:buChar char="•"/>
+                <a:defRPr>
+                  <a:latin typeface="Calibri" panose="020F0502020204030204" pitchFamily="34" charset="0"/>
+                  <a:ea typeface="宋体" panose="02010600030101010101" pitchFamily="2" charset="-122"/>
+                </a:defRPr>
+              </a:lvl4pPr>
+              <a:lvl5pPr marL="2057400" indent="-228600">
+                <a:lnSpc>
+                  <a:spcPct val="90000"/>
+                </a:lnSpc>
+                <a:spcBef>
+                  <a:spcPts val="500"/>
+                </a:spcBef>
+                <a:buFont typeface="Arial" panose="020B0604020202020204" pitchFamily="34" charset="0"/>
+                <a:buChar char="•"/>
+                <a:defRPr>
+                  <a:latin typeface="Calibri" panose="020F0502020204030204" pitchFamily="34" charset="0"/>
+                  <a:ea typeface="宋体" panose="02010600030101010101" pitchFamily="2" charset="-122"/>
+                </a:defRPr>
+              </a:lvl5pPr>
+              <a:lvl6pPr marL="2514600" indent="-228600" eaLnBrk="0" fontAlgn="base" hangingPunct="0">
+                <a:lnSpc>
+                  <a:spcPct val="90000"/>
+                </a:lnSpc>
+                <a:spcBef>
+                  <a:spcPts val="500"/>
+                </a:spcBef>
+                <a:spcAft>
+                  <a:spcPct val="0"/>
+                </a:spcAft>
+                <a:buFont typeface="Arial" panose="020B0604020202020204" pitchFamily="34" charset="0"/>
+                <a:buChar char="•"/>
+                <a:defRPr>
+                  <a:latin typeface="Calibri" panose="020F0502020204030204" pitchFamily="34" charset="0"/>
+                  <a:ea typeface="宋体" panose="02010600030101010101" pitchFamily="2" charset="-122"/>
+                </a:defRPr>
+              </a:lvl6pPr>
+              <a:lvl7pPr marL="2971800" indent="-228600" eaLnBrk="0" fontAlgn="base" hangingPunct="0">
+                <a:lnSpc>
+                  <a:spcPct val="90000"/>
+                </a:lnSpc>
+                <a:spcBef>
+                  <a:spcPts val="500"/>
+                </a:spcBef>
+                <a:spcAft>
+                  <a:spcPct val="0"/>
+                </a:spcAft>
+                <a:buFont typeface="Arial" panose="020B0604020202020204" pitchFamily="34" charset="0"/>
+                <a:buChar char="•"/>
+                <a:defRPr>
+                  <a:latin typeface="Calibri" panose="020F0502020204030204" pitchFamily="34" charset="0"/>
+                  <a:ea typeface="宋体" panose="02010600030101010101" pitchFamily="2" charset="-122"/>
+                </a:defRPr>
+              </a:lvl7pPr>
+              <a:lvl8pPr marL="3429000" indent="-228600" eaLnBrk="0" fontAlgn="base" hangingPunct="0">
+                <a:lnSpc>
+                  <a:spcPct val="90000"/>
+                </a:lnSpc>
+                <a:spcBef>
+                  <a:spcPts val="500"/>
+                </a:spcBef>
+                <a:spcAft>
+                  <a:spcPct val="0"/>
+                </a:spcAft>
+                <a:buFont typeface="Arial" panose="020B0604020202020204" pitchFamily="34" charset="0"/>
+                <a:buChar char="•"/>
+                <a:defRPr>
+                  <a:latin typeface="Calibri" panose="020F0502020204030204" pitchFamily="34" charset="0"/>
+                  <a:ea typeface="宋体" panose="02010600030101010101" pitchFamily="2" charset="-122"/>
+                </a:defRPr>
+              </a:lvl8pPr>
+              <a:lvl9pPr marL="3886200" indent="-228600" eaLnBrk="0" fontAlgn="base" hangingPunct="0">
+                <a:lnSpc>
+                  <a:spcPct val="90000"/>
+                </a:lnSpc>
+                <a:spcBef>
+                  <a:spcPts val="500"/>
+                </a:spcBef>
+                <a:spcAft>
+                  <a:spcPct val="0"/>
+                </a:spcAft>
+                <a:buFont typeface="Arial" panose="020B0604020202020204" pitchFamily="34" charset="0"/>
+                <a:buChar char="•"/>
+                <a:defRPr>
+                  <a:latin typeface="Calibri" panose="020F0502020204030204" pitchFamily="34" charset="0"/>
+                  <a:ea typeface="宋体" panose="02010600030101010101" pitchFamily="2" charset="-122"/>
+                </a:defRPr>
+              </a:lvl9pPr>
+            </a:lstStyle>
+            <a:p>
+              <a:r>
+                <a:rPr lang="en-US" altLang="zh-CN" sz="1800" b="1" dirty="0">
+                  <a:solidFill>
+                    <a:srgbClr val="00B050"/>
+                  </a:solidFill>
+                </a:rPr>
+                <a:t>Github&amp;Gitlab</a:t>
+              </a:r>
+              <a:endParaRPr lang="en-US" altLang="zh-CN" sz="1800" b="1" dirty="0">
+                <a:solidFill>
+                  <a:srgbClr val="00B050"/>
+                </a:solidFill>
+              </a:endParaRPr>
+            </a:p>
+          </p:txBody>
+        </p:sp>
+      </p:grpSp>
+      <p:sp>
+        <p:nvSpPr>
+          <p:cNvPr id="6" name="立方体 5"/>
           <p:cNvSpPr/>
           <p:nvPr>
             <p:custDataLst>
-              <p:tags r:id="rId3"/>
+              <p:tags r:id="rId11"/>
             </p:custDataLst>
           </p:nvPr>
         </p:nvSpPr>
         <p:spPr>
           <a:xfrm>
-            <a:off x="2119313" y="3738086"/>
-            <a:ext cx="339090" cy="329089"/>
+            <a:off x="2118995" y="4762500"/>
+            <a:ext cx="298450" cy="339090"/>
           </a:xfrm>
           <a:prstGeom prst="cube">
             <a:avLst/>
@@ -4480,7 +6615,6 @@
         </p:style>
         <p:txBody>
           <a:bodyPr rtlCol="0" anchor="ctr"/>
-          <a:lstStyle/>
           <a:p>
             <a:pPr algn="ctr"/>
             <a:r>
@@ -4489,7 +6623,7 @@
                   <a:schemeClr val="bg1"/>
                 </a:solidFill>
               </a:rPr>
-              <a:t>3</a:t>
+              <a:t>5</a:t>
             </a:r>
             <a:endParaRPr lang="zh-CN" altLang="en-US" sz="1350" b="1" dirty="0">
               <a:solidFill>
@@ -4501,204 +6635,18 @@
       </p:sp>
       <p:sp>
         <p:nvSpPr>
-          <p:cNvPr id="19" name="立方体 18"/>
-          <p:cNvSpPr/>
+          <p:cNvPr id="7" name="文本框 6"/>
+          <p:cNvSpPr txBox="1"/>
           <p:nvPr>
             <p:custDataLst>
-              <p:tags r:id="rId4"/>
+              <p:tags r:id="rId12"/>
             </p:custDataLst>
           </p:nvPr>
         </p:nvSpPr>
         <p:spPr>
           <a:xfrm>
-            <a:off x="2119313" y="4351496"/>
-            <a:ext cx="339090" cy="329089"/>
-          </a:xfrm>
-          <a:prstGeom prst="cube">
-            <a:avLst/>
-          </a:prstGeom>
-          <a:solidFill>
-            <a:schemeClr val="accent1"/>
-          </a:solidFill>
-          <a:ln>
-            <a:noFill/>
-          </a:ln>
-        </p:spPr>
-        <p:style>
-          <a:lnRef idx="2">
-            <a:schemeClr val="accent1">
-              <a:shade val="50000"/>
-            </a:schemeClr>
-          </a:lnRef>
-          <a:fillRef idx="1">
-            <a:schemeClr val="accent1"/>
-          </a:fillRef>
-          <a:effectRef idx="0">
-            <a:schemeClr val="accent1"/>
-          </a:effectRef>
-          <a:fontRef idx="minor">
-            <a:schemeClr val="lt1"/>
-          </a:fontRef>
-        </p:style>
-        <p:txBody>
-          <a:bodyPr rtlCol="0" anchor="ctr"/>
-          <a:lstStyle/>
-          <a:p>
-            <a:pPr algn="ctr"/>
-            <a:r>
-              <a:rPr lang="en-US" altLang="zh-CN" sz="1350" b="1" dirty="0">
-                <a:solidFill>
-                  <a:schemeClr val="bg1"/>
-                </a:solidFill>
-              </a:rPr>
-              <a:t>4</a:t>
-            </a:r>
-            <a:endParaRPr lang="zh-CN" altLang="en-US" sz="1350" b="1" dirty="0">
-              <a:solidFill>
-                <a:schemeClr val="bg1"/>
-              </a:solidFill>
-            </a:endParaRPr>
-          </a:p>
-        </p:txBody>
-      </p:sp>
-      <p:sp>
-        <p:nvSpPr>
-          <p:cNvPr id="22" name="立方体 21"/>
-          <p:cNvSpPr/>
-          <p:nvPr>
-            <p:custDataLst>
-              <p:tags r:id="rId5"/>
-            </p:custDataLst>
-          </p:nvPr>
-        </p:nvSpPr>
-        <p:spPr>
-          <a:xfrm>
-            <a:off x="2119313" y="2511266"/>
-            <a:ext cx="339090" cy="329089"/>
-          </a:xfrm>
-          <a:prstGeom prst="cube">
-            <a:avLst/>
-          </a:prstGeom>
-          <a:solidFill>
-            <a:schemeClr val="accent1"/>
-          </a:solidFill>
-          <a:ln>
-            <a:noFill/>
-          </a:ln>
-        </p:spPr>
-        <p:style>
-          <a:lnRef idx="2">
-            <a:schemeClr val="accent1">
-              <a:shade val="50000"/>
-            </a:schemeClr>
-          </a:lnRef>
-          <a:fillRef idx="1">
-            <a:schemeClr val="accent1"/>
-          </a:fillRef>
-          <a:effectRef idx="0">
-            <a:schemeClr val="accent1"/>
-          </a:effectRef>
-          <a:fontRef idx="minor">
-            <a:schemeClr val="lt1"/>
-          </a:fontRef>
-        </p:style>
-        <p:txBody>
-          <a:bodyPr rtlCol="0" anchor="ctr"/>
-          <a:lstStyle/>
-          <a:p>
-            <a:pPr algn="ctr"/>
-            <a:r>
-              <a:rPr lang="en-US" altLang="zh-CN" sz="1350" b="1" dirty="0">
-                <a:solidFill>
-                  <a:schemeClr val="bg1"/>
-                </a:solidFill>
-              </a:rPr>
-              <a:t>1</a:t>
-            </a:r>
-            <a:endParaRPr lang="zh-CN" altLang="en-US" sz="1350" b="1" dirty="0">
-              <a:solidFill>
-                <a:schemeClr val="bg1"/>
-              </a:solidFill>
-            </a:endParaRPr>
-          </a:p>
-        </p:txBody>
-      </p:sp>
-      <p:sp>
-        <p:nvSpPr>
-          <p:cNvPr id="23" name="立方体 22"/>
-          <p:cNvSpPr/>
-          <p:nvPr>
-            <p:custDataLst>
-              <p:tags r:id="rId6"/>
-            </p:custDataLst>
-          </p:nvPr>
-        </p:nvSpPr>
-        <p:spPr>
-          <a:xfrm>
-            <a:off x="2119313" y="3124676"/>
-            <a:ext cx="339090" cy="329089"/>
-          </a:xfrm>
-          <a:prstGeom prst="cube">
-            <a:avLst/>
-          </a:prstGeom>
-          <a:solidFill>
-            <a:schemeClr val="accent1"/>
-          </a:solidFill>
-          <a:ln>
-            <a:noFill/>
-          </a:ln>
-        </p:spPr>
-        <p:style>
-          <a:lnRef idx="2">
-            <a:schemeClr val="accent1">
-              <a:shade val="50000"/>
-            </a:schemeClr>
-          </a:lnRef>
-          <a:fillRef idx="1">
-            <a:schemeClr val="accent1"/>
-          </a:fillRef>
-          <a:effectRef idx="0">
-            <a:schemeClr val="accent1"/>
-          </a:effectRef>
-          <a:fontRef idx="minor">
-            <a:schemeClr val="lt1"/>
-          </a:fontRef>
-        </p:style>
-        <p:txBody>
-          <a:bodyPr rtlCol="0" anchor="ctr"/>
-          <a:lstStyle/>
-          <a:p>
-            <a:pPr algn="ctr"/>
-            <a:r>
-              <a:rPr lang="en-US" altLang="zh-CN" sz="1350" b="1" dirty="0">
-                <a:solidFill>
-                  <a:schemeClr val="bg1"/>
-                </a:solidFill>
-              </a:rPr>
-              <a:t>2</a:t>
-            </a:r>
-            <a:endParaRPr lang="zh-CN" altLang="en-US" sz="1350" b="1" dirty="0">
-              <a:solidFill>
-                <a:schemeClr val="bg1"/>
-              </a:solidFill>
-            </a:endParaRPr>
-          </a:p>
-        </p:txBody>
-      </p:sp>
-      <p:sp>
-        <p:nvSpPr>
-          <p:cNvPr id="25" name="文本框 24"/>
-          <p:cNvSpPr txBox="1"/>
-          <p:nvPr>
-            <p:custDataLst>
-              <p:tags r:id="rId7"/>
-            </p:custDataLst>
-          </p:nvPr>
-        </p:nvSpPr>
-        <p:spPr>
-          <a:xfrm>
-            <a:off x="2573655" y="2496979"/>
-            <a:ext cx="2526983" cy="364331"/>
+            <a:off x="2563650" y="4754072"/>
+            <a:ext cx="2471300" cy="356220"/>
           </a:xfrm>
           <a:prstGeom prst="rect">
             <a:avLst/>
@@ -4715,6 +6663,16 @@
                   <a:schemeClr val="accent1"/>
                 </a:solidFill>
               </a14:hiddenFill>
+            </a:ext>
+            <a:ext uri="{91240B29-F687-4F45-9708-019B960494DF}">
+              <a14:hiddenLine xmlns:a14="http://schemas.microsoft.com/office/drawing/2010/main" w="9525">
+                <a:solidFill>
+                  <a:schemeClr val="tx1"/>
+                </a:solidFill>
+                <a:miter lim="800000"/>
+                <a:headEnd/>
+                <a:tailEnd/>
+              </a14:hiddenLine>
             </a:ext>
             <a:ext uri="{AF507438-7753-43E0-B8FC-AC1667EBCBE1}">
               <a14:hiddenEffects xmlns:a14="http://schemas.microsoft.com/office/drawing/2010/main">
@@ -4876,499 +6834,13 @@
             </a:lvl9pPr>
           </a:lstStyle>
           <a:p>
-            <a:pPr lvl="0" algn="l"/>
             <a:r>
               <a:rPr lang="en-US" altLang="zh-CN" sz="1800" b="1" dirty="0">
                 <a:solidFill>
                   <a:srgbClr val="00B050"/>
                 </a:solidFill>
-                <a:sym typeface="+mn-ea"/>
-              </a:rPr>
-              <a:t>Git</a:t>
-            </a:r>
-            <a:r>
-              <a:rPr lang="zh-CN" altLang="en-US" sz="1800" b="1" dirty="0">
-                <a:solidFill>
-                  <a:srgbClr val="00B050"/>
-                </a:solidFill>
-                <a:sym typeface="+mn-ea"/>
-              </a:rPr>
-              <a:t>简介</a:t>
-            </a:r>
-            <a:endParaRPr lang="zh-CN" altLang="en-US" sz="1800" b="1" dirty="0">
-              <a:solidFill>
-                <a:srgbClr val="00B050"/>
-              </a:solidFill>
-              <a:sym typeface="+mn-ea"/>
-            </a:endParaRPr>
-          </a:p>
-        </p:txBody>
-      </p:sp>
-      <p:sp>
-        <p:nvSpPr>
-          <p:cNvPr id="2" name="文本框 1"/>
-          <p:cNvSpPr txBox="1"/>
-          <p:nvPr>
-            <p:custDataLst>
-              <p:tags r:id="rId8"/>
-            </p:custDataLst>
-          </p:nvPr>
-        </p:nvSpPr>
-        <p:spPr>
-          <a:xfrm>
-            <a:off x="2573655" y="3107055"/>
-            <a:ext cx="2526983" cy="364331"/>
-          </a:xfrm>
-          <a:prstGeom prst="rect">
-            <a:avLst/>
-          </a:prstGeom>
-          <a:noFill/>
-          <a:ln>
-            <a:noFill/>
-          </a:ln>
-          <a:effectLst/>
-          <a:extLst>
-            <a:ext uri="{909E8E84-426E-40DD-AFC4-6F175D3DCCD1}">
-              <a14:hiddenFill xmlns:a14="http://schemas.microsoft.com/office/drawing/2010/main">
-                <a:solidFill>
-                  <a:schemeClr val="accent1"/>
-                </a:solidFill>
-              </a14:hiddenFill>
-            </a:ext>
-            <a:ext uri="{91240B29-F687-4F45-9708-019B960494DF}">
-              <a14:hiddenLine xmlns:a14="http://schemas.microsoft.com/office/drawing/2010/main" w="9525">
-                <a:solidFill>
-                  <a:schemeClr val="tx1"/>
-                </a:solidFill>
-                <a:miter lim="800000"/>
-                <a:headEnd/>
-                <a:tailEnd/>
-              </a14:hiddenLine>
-            </a:ext>
-            <a:ext uri="{AF507438-7753-43E0-B8FC-AC1667EBCBE1}">
-              <a14:hiddenEffects xmlns:a14="http://schemas.microsoft.com/office/drawing/2010/main">
-                <a:effectLst>
-                  <a:outerShdw dist="35921" dir="2700000" algn="ctr" rotWithShape="0">
-                    <a:schemeClr val="bg2"/>
-                  </a:outerShdw>
-                </a:effectLst>
-              </a14:hiddenEffects>
-            </a:ext>
-          </a:extLst>
-        </p:spPr>
-        <p:txBody>
-          <a:bodyPr wrap="square" lIns="0" tIns="0" rIns="0" bIns="0" anchor="ctr" anchorCtr="0">
-            <a:noAutofit/>
-          </a:bodyPr>
-          <a:lstStyle>
-            <a:defPPr>
-              <a:defRPr lang="zh-CN"/>
-            </a:defPPr>
-            <a:lvl1pPr>
-              <a:lnSpc>
-                <a:spcPct val="90000"/>
-              </a:lnSpc>
-              <a:spcBef>
-                <a:spcPct val="0"/>
-              </a:spcBef>
-              <a:buFontTx/>
-              <a:buNone/>
-              <a:defRPr sz="2400">
-                <a:solidFill>
-                  <a:srgbClr val="333333"/>
-                </a:solidFill>
-              </a:defRPr>
-            </a:lvl1pPr>
-            <a:lvl2pPr marL="742950" indent="-285750">
-              <a:lnSpc>
-                <a:spcPct val="90000"/>
-              </a:lnSpc>
-              <a:spcBef>
-                <a:spcPts val="500"/>
-              </a:spcBef>
-              <a:buFont typeface="Arial" panose="020B0604020202020204" pitchFamily="34" charset="0"/>
-              <a:buChar char="•"/>
-              <a:defRPr sz="2400">
-                <a:latin typeface="Calibri" panose="020F0502020204030204" pitchFamily="34" charset="0"/>
-                <a:ea typeface="宋体" panose="02010600030101010101" pitchFamily="2" charset="-122"/>
-              </a:defRPr>
-            </a:lvl2pPr>
-            <a:lvl3pPr marL="1143000" indent="-228600">
-              <a:lnSpc>
-                <a:spcPct val="90000"/>
-              </a:lnSpc>
-              <a:spcBef>
-                <a:spcPts val="500"/>
-              </a:spcBef>
-              <a:buFont typeface="Arial" panose="020B0604020202020204" pitchFamily="34" charset="0"/>
-              <a:buChar char="•"/>
-              <a:defRPr sz="2000">
-                <a:latin typeface="Calibri" panose="020F0502020204030204" pitchFamily="34" charset="0"/>
-                <a:ea typeface="宋体" panose="02010600030101010101" pitchFamily="2" charset="-122"/>
-              </a:defRPr>
-            </a:lvl3pPr>
-            <a:lvl4pPr marL="1600200" indent="-228600">
-              <a:lnSpc>
-                <a:spcPct val="90000"/>
-              </a:lnSpc>
-              <a:spcBef>
-                <a:spcPts val="500"/>
-              </a:spcBef>
-              <a:buFont typeface="Arial" panose="020B0604020202020204" pitchFamily="34" charset="0"/>
-              <a:buChar char="•"/>
-              <a:defRPr>
-                <a:latin typeface="Calibri" panose="020F0502020204030204" pitchFamily="34" charset="0"/>
-                <a:ea typeface="宋体" panose="02010600030101010101" pitchFamily="2" charset="-122"/>
-              </a:defRPr>
-            </a:lvl4pPr>
-            <a:lvl5pPr marL="2057400" indent="-228600">
-              <a:lnSpc>
-                <a:spcPct val="90000"/>
-              </a:lnSpc>
-              <a:spcBef>
-                <a:spcPts val="500"/>
-              </a:spcBef>
-              <a:buFont typeface="Arial" panose="020B0604020202020204" pitchFamily="34" charset="0"/>
-              <a:buChar char="•"/>
-              <a:defRPr>
-                <a:latin typeface="Calibri" panose="020F0502020204030204" pitchFamily="34" charset="0"/>
-                <a:ea typeface="宋体" panose="02010600030101010101" pitchFamily="2" charset="-122"/>
-              </a:defRPr>
-            </a:lvl5pPr>
-            <a:lvl6pPr marL="2514600" indent="-228600" eaLnBrk="0" fontAlgn="base" hangingPunct="0">
-              <a:lnSpc>
-                <a:spcPct val="90000"/>
-              </a:lnSpc>
-              <a:spcBef>
-                <a:spcPts val="500"/>
-              </a:spcBef>
-              <a:spcAft>
-                <a:spcPct val="0"/>
-              </a:spcAft>
-              <a:buFont typeface="Arial" panose="020B0604020202020204" pitchFamily="34" charset="0"/>
-              <a:buChar char="•"/>
-              <a:defRPr>
-                <a:latin typeface="Calibri" panose="020F0502020204030204" pitchFamily="34" charset="0"/>
-                <a:ea typeface="宋体" panose="02010600030101010101" pitchFamily="2" charset="-122"/>
-              </a:defRPr>
-            </a:lvl6pPr>
-            <a:lvl7pPr marL="2971800" indent="-228600" eaLnBrk="0" fontAlgn="base" hangingPunct="0">
-              <a:lnSpc>
-                <a:spcPct val="90000"/>
-              </a:lnSpc>
-              <a:spcBef>
-                <a:spcPts val="500"/>
-              </a:spcBef>
-              <a:spcAft>
-                <a:spcPct val="0"/>
-              </a:spcAft>
-              <a:buFont typeface="Arial" panose="020B0604020202020204" pitchFamily="34" charset="0"/>
-              <a:buChar char="•"/>
-              <a:defRPr>
-                <a:latin typeface="Calibri" panose="020F0502020204030204" pitchFamily="34" charset="0"/>
-                <a:ea typeface="宋体" panose="02010600030101010101" pitchFamily="2" charset="-122"/>
-              </a:defRPr>
-            </a:lvl7pPr>
-            <a:lvl8pPr marL="3429000" indent="-228600" eaLnBrk="0" fontAlgn="base" hangingPunct="0">
-              <a:lnSpc>
-                <a:spcPct val="90000"/>
-              </a:lnSpc>
-              <a:spcBef>
-                <a:spcPts val="500"/>
-              </a:spcBef>
-              <a:spcAft>
-                <a:spcPct val="0"/>
-              </a:spcAft>
-              <a:buFont typeface="Arial" panose="020B0604020202020204" pitchFamily="34" charset="0"/>
-              <a:buChar char="•"/>
-              <a:defRPr>
-                <a:latin typeface="Calibri" panose="020F0502020204030204" pitchFamily="34" charset="0"/>
-                <a:ea typeface="宋体" panose="02010600030101010101" pitchFamily="2" charset="-122"/>
-              </a:defRPr>
-            </a:lvl8pPr>
-            <a:lvl9pPr marL="3886200" indent="-228600" eaLnBrk="0" fontAlgn="base" hangingPunct="0">
-              <a:lnSpc>
-                <a:spcPct val="90000"/>
-              </a:lnSpc>
-              <a:spcBef>
-                <a:spcPts val="500"/>
-              </a:spcBef>
-              <a:spcAft>
-                <a:spcPct val="0"/>
-              </a:spcAft>
-              <a:buFont typeface="Arial" panose="020B0604020202020204" pitchFamily="34" charset="0"/>
-              <a:buChar char="•"/>
-              <a:defRPr>
-                <a:latin typeface="Calibri" panose="020F0502020204030204" pitchFamily="34" charset="0"/>
-                <a:ea typeface="宋体" panose="02010600030101010101" pitchFamily="2" charset="-122"/>
-              </a:defRPr>
-            </a:lvl9pPr>
-          </a:lstStyle>
-          <a:p>
-            <a:r>
-              <a:rPr lang="en-US" altLang="zh-CN" sz="1800" b="1" dirty="0">
-                <a:solidFill>
-                  <a:srgbClr val="00B050"/>
-                </a:solidFill>
-              </a:rPr>
-              <a:t>Git</a:t>
-            </a:r>
-            <a:r>
-              <a:rPr lang="zh-CN" altLang="en-US" sz="1800" b="1" dirty="0">
-                <a:solidFill>
-                  <a:srgbClr val="00B050"/>
-                </a:solidFill>
-              </a:rPr>
-              <a:t>安装</a:t>
-            </a:r>
-            <a:r>
-              <a:rPr lang="en-US" altLang="zh-CN" sz="1800" b="1" dirty="0">
-                <a:solidFill>
-                  <a:srgbClr val="00B050"/>
-                </a:solidFill>
-              </a:rPr>
-              <a:t>&amp;Git</a:t>
-            </a:r>
-            <a:r>
-              <a:rPr lang="zh-CN" altLang="en-US" sz="1800" b="1" dirty="0">
-                <a:solidFill>
-                  <a:srgbClr val="00B050"/>
-                </a:solidFill>
-              </a:rPr>
-              <a:t>命令</a:t>
-            </a:r>
-            <a:endParaRPr lang="zh-CN" altLang="en-US" sz="1800" b="1" dirty="0">
-              <a:solidFill>
-                <a:srgbClr val="00B050"/>
-              </a:solidFill>
-            </a:endParaRPr>
-          </a:p>
-        </p:txBody>
-      </p:sp>
-      <p:sp>
-        <p:nvSpPr>
-          <p:cNvPr id="3" name="文本框 2"/>
-          <p:cNvSpPr txBox="1"/>
-          <p:nvPr>
-            <p:custDataLst>
-              <p:tags r:id="rId9"/>
-            </p:custDataLst>
-          </p:nvPr>
-        </p:nvSpPr>
-        <p:spPr>
-          <a:xfrm>
-            <a:off x="2573655" y="3709670"/>
-            <a:ext cx="2947035" cy="364490"/>
-          </a:xfrm>
-          <a:prstGeom prst="rect">
-            <a:avLst/>
-          </a:prstGeom>
-          <a:noFill/>
-          <a:ln>
-            <a:noFill/>
-          </a:ln>
-          <a:effectLst/>
-          <a:extLst>
-            <a:ext uri="{909E8E84-426E-40DD-AFC4-6F175D3DCCD1}">
-              <a14:hiddenFill xmlns:a14="http://schemas.microsoft.com/office/drawing/2010/main">
-                <a:solidFill>
-                  <a:schemeClr val="accent1"/>
-                </a:solidFill>
-              </a14:hiddenFill>
-            </a:ext>
-            <a:ext uri="{91240B29-F687-4F45-9708-019B960494DF}">
-              <a14:hiddenLine xmlns:a14="http://schemas.microsoft.com/office/drawing/2010/main" w="9525">
-                <a:solidFill>
-                  <a:schemeClr val="tx1"/>
-                </a:solidFill>
-                <a:miter lim="800000"/>
-                <a:headEnd/>
-                <a:tailEnd/>
-              </a14:hiddenLine>
-            </a:ext>
-            <a:ext uri="{AF507438-7753-43E0-B8FC-AC1667EBCBE1}">
-              <a14:hiddenEffects xmlns:a14="http://schemas.microsoft.com/office/drawing/2010/main">
-                <a:effectLst>
-                  <a:outerShdw dist="35921" dir="2700000" algn="ctr" rotWithShape="0">
-                    <a:schemeClr val="bg2"/>
-                  </a:outerShdw>
-                </a:effectLst>
-              </a14:hiddenEffects>
-            </a:ext>
-          </a:extLst>
-        </p:spPr>
-        <p:txBody>
-          <a:bodyPr wrap="square" lIns="0" tIns="0" rIns="0" bIns="0" anchor="ctr" anchorCtr="0">
-            <a:noAutofit/>
-          </a:bodyPr>
-          <a:lstStyle>
-            <a:defPPr>
-              <a:defRPr lang="zh-CN"/>
-            </a:defPPr>
-            <a:lvl1pPr>
-              <a:lnSpc>
-                <a:spcPct val="90000"/>
-              </a:lnSpc>
-              <a:spcBef>
-                <a:spcPct val="0"/>
-              </a:spcBef>
-              <a:buFontTx/>
-              <a:buNone/>
-              <a:defRPr sz="2400">
-                <a:solidFill>
-                  <a:srgbClr val="333333"/>
-                </a:solidFill>
-              </a:defRPr>
-            </a:lvl1pPr>
-            <a:lvl2pPr marL="742950" indent="-285750">
-              <a:lnSpc>
-                <a:spcPct val="90000"/>
-              </a:lnSpc>
-              <a:spcBef>
-                <a:spcPts val="500"/>
-              </a:spcBef>
-              <a:buFont typeface="Arial" panose="020B0604020202020204" pitchFamily="34" charset="0"/>
-              <a:buChar char="•"/>
-              <a:defRPr sz="2400">
-                <a:latin typeface="Calibri" panose="020F0502020204030204" pitchFamily="34" charset="0"/>
-                <a:ea typeface="宋体" panose="02010600030101010101" pitchFamily="2" charset="-122"/>
-              </a:defRPr>
-            </a:lvl2pPr>
-            <a:lvl3pPr marL="1143000" indent="-228600">
-              <a:lnSpc>
-                <a:spcPct val="90000"/>
-              </a:lnSpc>
-              <a:spcBef>
-                <a:spcPts val="500"/>
-              </a:spcBef>
-              <a:buFont typeface="Arial" panose="020B0604020202020204" pitchFamily="34" charset="0"/>
-              <a:buChar char="•"/>
-              <a:defRPr sz="2000">
-                <a:latin typeface="Calibri" panose="020F0502020204030204" pitchFamily="34" charset="0"/>
-                <a:ea typeface="宋体" panose="02010600030101010101" pitchFamily="2" charset="-122"/>
-              </a:defRPr>
-            </a:lvl3pPr>
-            <a:lvl4pPr marL="1600200" indent="-228600">
-              <a:lnSpc>
-                <a:spcPct val="90000"/>
-              </a:lnSpc>
-              <a:spcBef>
-                <a:spcPts val="500"/>
-              </a:spcBef>
-              <a:buFont typeface="Arial" panose="020B0604020202020204" pitchFamily="34" charset="0"/>
-              <a:buChar char="•"/>
-              <a:defRPr>
-                <a:latin typeface="Calibri" panose="020F0502020204030204" pitchFamily="34" charset="0"/>
-                <a:ea typeface="宋体" panose="02010600030101010101" pitchFamily="2" charset="-122"/>
-              </a:defRPr>
-            </a:lvl4pPr>
-            <a:lvl5pPr marL="2057400" indent="-228600">
-              <a:lnSpc>
-                <a:spcPct val="90000"/>
-              </a:lnSpc>
-              <a:spcBef>
-                <a:spcPts val="500"/>
-              </a:spcBef>
-              <a:buFont typeface="Arial" panose="020B0604020202020204" pitchFamily="34" charset="0"/>
-              <a:buChar char="•"/>
-              <a:defRPr>
-                <a:latin typeface="Calibri" panose="020F0502020204030204" pitchFamily="34" charset="0"/>
-                <a:ea typeface="宋体" panose="02010600030101010101" pitchFamily="2" charset="-122"/>
-              </a:defRPr>
-            </a:lvl5pPr>
-            <a:lvl6pPr marL="2514600" indent="-228600" eaLnBrk="0" fontAlgn="base" hangingPunct="0">
-              <a:lnSpc>
-                <a:spcPct val="90000"/>
-              </a:lnSpc>
-              <a:spcBef>
-                <a:spcPts val="500"/>
-              </a:spcBef>
-              <a:spcAft>
-                <a:spcPct val="0"/>
-              </a:spcAft>
-              <a:buFont typeface="Arial" panose="020B0604020202020204" pitchFamily="34" charset="0"/>
-              <a:buChar char="•"/>
-              <a:defRPr>
-                <a:latin typeface="Calibri" panose="020F0502020204030204" pitchFamily="34" charset="0"/>
-                <a:ea typeface="宋体" panose="02010600030101010101" pitchFamily="2" charset="-122"/>
-              </a:defRPr>
-            </a:lvl6pPr>
-            <a:lvl7pPr marL="2971800" indent="-228600" eaLnBrk="0" fontAlgn="base" hangingPunct="0">
-              <a:lnSpc>
-                <a:spcPct val="90000"/>
-              </a:lnSpc>
-              <a:spcBef>
-                <a:spcPts val="500"/>
-              </a:spcBef>
-              <a:spcAft>
-                <a:spcPct val="0"/>
-              </a:spcAft>
-              <a:buFont typeface="Arial" panose="020B0604020202020204" pitchFamily="34" charset="0"/>
-              <a:buChar char="•"/>
-              <a:defRPr>
-                <a:latin typeface="Calibri" panose="020F0502020204030204" pitchFamily="34" charset="0"/>
-                <a:ea typeface="宋体" panose="02010600030101010101" pitchFamily="2" charset="-122"/>
-              </a:defRPr>
-            </a:lvl7pPr>
-            <a:lvl8pPr marL="3429000" indent="-228600" eaLnBrk="0" fontAlgn="base" hangingPunct="0">
-              <a:lnSpc>
-                <a:spcPct val="90000"/>
-              </a:lnSpc>
-              <a:spcBef>
-                <a:spcPts val="500"/>
-              </a:spcBef>
-              <a:spcAft>
-                <a:spcPct val="0"/>
-              </a:spcAft>
-              <a:buFont typeface="Arial" panose="020B0604020202020204" pitchFamily="34" charset="0"/>
-              <a:buChar char="•"/>
-              <a:defRPr>
-                <a:latin typeface="Calibri" panose="020F0502020204030204" pitchFamily="34" charset="0"/>
-                <a:ea typeface="宋体" panose="02010600030101010101" pitchFamily="2" charset="-122"/>
-              </a:defRPr>
-            </a:lvl8pPr>
-            <a:lvl9pPr marL="3886200" indent="-228600" eaLnBrk="0" fontAlgn="base" hangingPunct="0">
-              <a:lnSpc>
-                <a:spcPct val="90000"/>
-              </a:lnSpc>
-              <a:spcBef>
-                <a:spcPts val="500"/>
-              </a:spcBef>
-              <a:spcAft>
-                <a:spcPct val="0"/>
-              </a:spcAft>
-              <a:buFont typeface="Arial" panose="020B0604020202020204" pitchFamily="34" charset="0"/>
-              <a:buChar char="•"/>
-              <a:defRPr>
-                <a:latin typeface="Calibri" panose="020F0502020204030204" pitchFamily="34" charset="0"/>
-                <a:ea typeface="宋体" panose="02010600030101010101" pitchFamily="2" charset="-122"/>
-              </a:defRPr>
-            </a:lvl9pPr>
-          </a:lstStyle>
-          <a:p>
-            <a:r>
-              <a:rPr lang="en-US" altLang="zh-CN" sz="1800" b="1" dirty="0">
-                <a:solidFill>
-                  <a:srgbClr val="00B050"/>
-                </a:solidFill>
-              </a:rPr>
-              <a:t>Git</a:t>
-            </a:r>
-            <a:r>
-              <a:rPr lang="zh-CN" altLang="en-US" sz="1800" b="1" dirty="0">
-                <a:solidFill>
-                  <a:srgbClr val="00B050"/>
-                </a:solidFill>
-              </a:rPr>
-              <a:t>客户端工具</a:t>
-            </a:r>
-            <a:r>
-              <a:rPr lang="en-US" altLang="zh-CN" sz="1800" b="1" dirty="0">
-                <a:solidFill>
-                  <a:srgbClr val="00B050"/>
-                </a:solidFill>
-              </a:rPr>
-              <a:t>TortoiseGit</a:t>
+              </a:rPr>
+              <a:t>Git Flow</a:t>
             </a:r>
             <a:endParaRPr lang="en-US" altLang="zh-CN" sz="1800" b="1" dirty="0">
               <a:solidFill>
@@ -5378,226 +6850,9 @@
           </a:p>
         </p:txBody>
       </p:sp>
-      <p:sp>
-        <p:nvSpPr>
-          <p:cNvPr id="4" name="文本框 3"/>
-          <p:cNvSpPr txBox="1"/>
-          <p:nvPr>
-            <p:custDataLst>
-              <p:tags r:id="rId10"/>
-            </p:custDataLst>
-          </p:nvPr>
-        </p:nvSpPr>
-        <p:spPr>
-          <a:xfrm>
-            <a:off x="2573655" y="4315778"/>
-            <a:ext cx="2526983" cy="364331"/>
-          </a:xfrm>
-          <a:prstGeom prst="rect">
-            <a:avLst/>
-          </a:prstGeom>
-          <a:noFill/>
-          <a:ln>
-            <a:noFill/>
-          </a:ln>
-          <a:effectLst/>
-          <a:extLst>
-            <a:ext uri="{909E8E84-426E-40DD-AFC4-6F175D3DCCD1}">
-              <a14:hiddenFill xmlns:a14="http://schemas.microsoft.com/office/drawing/2010/main">
-                <a:solidFill>
-                  <a:schemeClr val="accent1"/>
-                </a:solidFill>
-              </a14:hiddenFill>
-            </a:ext>
-            <a:ext uri="{91240B29-F687-4F45-9708-019B960494DF}">
-              <a14:hiddenLine xmlns:a14="http://schemas.microsoft.com/office/drawing/2010/main" w="9525">
-                <a:solidFill>
-                  <a:schemeClr val="tx1"/>
-                </a:solidFill>
-                <a:miter lim="800000"/>
-                <a:headEnd/>
-                <a:tailEnd/>
-              </a14:hiddenLine>
-            </a:ext>
-            <a:ext uri="{AF507438-7753-43E0-B8FC-AC1667EBCBE1}">
-              <a14:hiddenEffects xmlns:a14="http://schemas.microsoft.com/office/drawing/2010/main">
-                <a:effectLst>
-                  <a:outerShdw dist="35921" dir="2700000" algn="ctr" rotWithShape="0">
-                    <a:schemeClr val="bg2"/>
-                  </a:outerShdw>
-                </a:effectLst>
-              </a14:hiddenEffects>
-            </a:ext>
-          </a:extLst>
-        </p:spPr>
-        <p:txBody>
-          <a:bodyPr wrap="square" lIns="0" tIns="0" rIns="0" bIns="0" anchor="ctr" anchorCtr="0">
-            <a:noAutofit/>
-          </a:bodyPr>
-          <a:lstStyle>
-            <a:defPPr>
-              <a:defRPr lang="zh-CN"/>
-            </a:defPPr>
-            <a:lvl1pPr>
-              <a:lnSpc>
-                <a:spcPct val="90000"/>
-              </a:lnSpc>
-              <a:spcBef>
-                <a:spcPct val="0"/>
-              </a:spcBef>
-              <a:buFontTx/>
-              <a:buNone/>
-              <a:defRPr sz="2400">
-                <a:solidFill>
-                  <a:srgbClr val="333333"/>
-                </a:solidFill>
-              </a:defRPr>
-            </a:lvl1pPr>
-            <a:lvl2pPr marL="742950" indent="-285750">
-              <a:lnSpc>
-                <a:spcPct val="90000"/>
-              </a:lnSpc>
-              <a:spcBef>
-                <a:spcPts val="500"/>
-              </a:spcBef>
-              <a:buFont typeface="Arial" panose="020B0604020202020204" pitchFamily="34" charset="0"/>
-              <a:buChar char="•"/>
-              <a:defRPr sz="2400">
-                <a:latin typeface="Calibri" panose="020F0502020204030204" pitchFamily="34" charset="0"/>
-                <a:ea typeface="宋体" panose="02010600030101010101" pitchFamily="2" charset="-122"/>
-              </a:defRPr>
-            </a:lvl2pPr>
-            <a:lvl3pPr marL="1143000" indent="-228600">
-              <a:lnSpc>
-                <a:spcPct val="90000"/>
-              </a:lnSpc>
-              <a:spcBef>
-                <a:spcPts val="500"/>
-              </a:spcBef>
-              <a:buFont typeface="Arial" panose="020B0604020202020204" pitchFamily="34" charset="0"/>
-              <a:buChar char="•"/>
-              <a:defRPr sz="2000">
-                <a:latin typeface="Calibri" panose="020F0502020204030204" pitchFamily="34" charset="0"/>
-                <a:ea typeface="宋体" panose="02010600030101010101" pitchFamily="2" charset="-122"/>
-              </a:defRPr>
-            </a:lvl3pPr>
-            <a:lvl4pPr marL="1600200" indent="-228600">
-              <a:lnSpc>
-                <a:spcPct val="90000"/>
-              </a:lnSpc>
-              <a:spcBef>
-                <a:spcPts val="500"/>
-              </a:spcBef>
-              <a:buFont typeface="Arial" panose="020B0604020202020204" pitchFamily="34" charset="0"/>
-              <a:buChar char="•"/>
-              <a:defRPr>
-                <a:latin typeface="Calibri" panose="020F0502020204030204" pitchFamily="34" charset="0"/>
-                <a:ea typeface="宋体" panose="02010600030101010101" pitchFamily="2" charset="-122"/>
-              </a:defRPr>
-            </a:lvl4pPr>
-            <a:lvl5pPr marL="2057400" indent="-228600">
-              <a:lnSpc>
-                <a:spcPct val="90000"/>
-              </a:lnSpc>
-              <a:spcBef>
-                <a:spcPts val="500"/>
-              </a:spcBef>
-              <a:buFont typeface="Arial" panose="020B0604020202020204" pitchFamily="34" charset="0"/>
-              <a:buChar char="•"/>
-              <a:defRPr>
-                <a:latin typeface="Calibri" panose="020F0502020204030204" pitchFamily="34" charset="0"/>
-                <a:ea typeface="宋体" panose="02010600030101010101" pitchFamily="2" charset="-122"/>
-              </a:defRPr>
-            </a:lvl5pPr>
-            <a:lvl6pPr marL="2514600" indent="-228600" eaLnBrk="0" fontAlgn="base" hangingPunct="0">
-              <a:lnSpc>
-                <a:spcPct val="90000"/>
-              </a:lnSpc>
-              <a:spcBef>
-                <a:spcPts val="500"/>
-              </a:spcBef>
-              <a:spcAft>
-                <a:spcPct val="0"/>
-              </a:spcAft>
-              <a:buFont typeface="Arial" panose="020B0604020202020204" pitchFamily="34" charset="0"/>
-              <a:buChar char="•"/>
-              <a:defRPr>
-                <a:latin typeface="Calibri" panose="020F0502020204030204" pitchFamily="34" charset="0"/>
-                <a:ea typeface="宋体" panose="02010600030101010101" pitchFamily="2" charset="-122"/>
-              </a:defRPr>
-            </a:lvl6pPr>
-            <a:lvl7pPr marL="2971800" indent="-228600" eaLnBrk="0" fontAlgn="base" hangingPunct="0">
-              <a:lnSpc>
-                <a:spcPct val="90000"/>
-              </a:lnSpc>
-              <a:spcBef>
-                <a:spcPts val="500"/>
-              </a:spcBef>
-              <a:spcAft>
-                <a:spcPct val="0"/>
-              </a:spcAft>
-              <a:buFont typeface="Arial" panose="020B0604020202020204" pitchFamily="34" charset="0"/>
-              <a:buChar char="•"/>
-              <a:defRPr>
-                <a:latin typeface="Calibri" panose="020F0502020204030204" pitchFamily="34" charset="0"/>
-                <a:ea typeface="宋体" panose="02010600030101010101" pitchFamily="2" charset="-122"/>
-              </a:defRPr>
-            </a:lvl7pPr>
-            <a:lvl8pPr marL="3429000" indent="-228600" eaLnBrk="0" fontAlgn="base" hangingPunct="0">
-              <a:lnSpc>
-                <a:spcPct val="90000"/>
-              </a:lnSpc>
-              <a:spcBef>
-                <a:spcPts val="500"/>
-              </a:spcBef>
-              <a:spcAft>
-                <a:spcPct val="0"/>
-              </a:spcAft>
-              <a:buFont typeface="Arial" panose="020B0604020202020204" pitchFamily="34" charset="0"/>
-              <a:buChar char="•"/>
-              <a:defRPr>
-                <a:latin typeface="Calibri" panose="020F0502020204030204" pitchFamily="34" charset="0"/>
-                <a:ea typeface="宋体" panose="02010600030101010101" pitchFamily="2" charset="-122"/>
-              </a:defRPr>
-            </a:lvl8pPr>
-            <a:lvl9pPr marL="3886200" indent="-228600" eaLnBrk="0" fontAlgn="base" hangingPunct="0">
-              <a:lnSpc>
-                <a:spcPct val="90000"/>
-              </a:lnSpc>
-              <a:spcBef>
-                <a:spcPts val="500"/>
-              </a:spcBef>
-              <a:spcAft>
-                <a:spcPct val="0"/>
-              </a:spcAft>
-              <a:buFont typeface="Arial" panose="020B0604020202020204" pitchFamily="34" charset="0"/>
-              <a:buChar char="•"/>
-              <a:defRPr>
-                <a:latin typeface="Calibri" panose="020F0502020204030204" pitchFamily="34" charset="0"/>
-                <a:ea typeface="宋体" panose="02010600030101010101" pitchFamily="2" charset="-122"/>
-              </a:defRPr>
-            </a:lvl9pPr>
-          </a:lstStyle>
-          <a:p>
-            <a:r>
-              <a:rPr lang="en-US" altLang="zh-CN" sz="1800" b="1" dirty="0">
-                <a:solidFill>
-                  <a:srgbClr val="00B050"/>
-                </a:solidFill>
-              </a:rPr>
-              <a:t>Github&amp;Gitlab</a:t>
-            </a:r>
-            <a:endParaRPr lang="en-US" altLang="zh-CN" sz="1800" b="1" dirty="0">
-              <a:solidFill>
-                <a:srgbClr val="00B050"/>
-              </a:solidFill>
-            </a:endParaRPr>
-          </a:p>
-        </p:txBody>
-      </p:sp>
     </p:spTree>
     <p:custDataLst>
-      <p:tags r:id="rId11"/>
+      <p:tags r:id="rId13"/>
     </p:custDataLst>
   </p:cSld>
   <p:clrMapOvr>
@@ -7347,6 +8602,43 @@
 
 <file path=ppt/tags/tag16.xml><?xml version="1.0" encoding="utf-8"?>
 <p:tagLst xmlns:p="http://schemas.openxmlformats.org/presentationml/2006/main">
+  <p:tag name="KSO_WM_TAG_VERSION" val="1.0"/>
+  <p:tag name="KSO_WM_BEAUTIFY_FLAG" val="#wm#"/>
+  <p:tag name="KSO_WM_TEMPLATE_CATEGORY" val="custom"/>
+  <p:tag name="KSO_WM_TEMPLATE_INDEX" val="446"/>
+  <p:tag name="KSO_WM_UNIT_TYPE" val="l_i"/>
+  <p:tag name="KSO_WM_UNIT_INDEX" val="1_5"/>
+  <p:tag name="KSO_WM_UNIT_ID" val="custom446_9*l_i*1_5"/>
+  <p:tag name="KSO_WM_UNIT_CLEAR" val="1"/>
+  <p:tag name="KSO_WM_UNIT_LAYERLEVEL" val="1_1"/>
+  <p:tag name="KSO_WM_DIAGRAM_GROUP_CODE" val="l1-1"/>
+  <p:tag name="KSO_WM_UNIT_USESOURCEFORMAT_APPLY" val="1"/>
+</p:tagLst>
+</file>
+
+<file path=ppt/tags/tag17.xml><?xml version="1.0" encoding="utf-8"?>
+<p:tagLst xmlns:p="http://schemas.openxmlformats.org/presentationml/2006/main">
+  <p:tag name="KSO_WM_TAG_VERSION" val="1.0"/>
+  <p:tag name="KSO_WM_BEAUTIFY_FLAG" val="#wm#"/>
+  <p:tag name="KSO_WM_TEMPLATE_CATEGORY" val="custom"/>
+  <p:tag name="KSO_WM_TEMPLATE_INDEX" val="446"/>
+  <p:tag name="KSO_WM_UNIT_TYPE" val="l_h_f"/>
+  <p:tag name="KSO_WM_UNIT_INDEX" val="1_1_1"/>
+  <p:tag name="KSO_WM_UNIT_ID" val="custom446_9*l_h_f*1_1_1"/>
+  <p:tag name="KSO_WM_UNIT_CLEAR" val="1"/>
+  <p:tag name="KSO_WM_UNIT_LAYERLEVEL" val="1_1_1"/>
+  <p:tag name="KSO_WM_UNIT_VALUE" val="22"/>
+  <p:tag name="KSO_WM_UNIT_HIGHLIGHT" val="0"/>
+  <p:tag name="KSO_WM_UNIT_COMPATIBLE" val="0"/>
+  <p:tag name="KSO_WM_UNIT_PRESET_TEXT_INDEX" val="3"/>
+  <p:tag name="KSO_WM_UNIT_PRESET_TEXT_LEN" val="17"/>
+  <p:tag name="KSO_WM_DIAGRAM_GROUP_CODE" val="l1-1"/>
+  <p:tag name="KSO_WM_UNIT_USESOURCEFORMAT_APPLY" val="1"/>
+</p:tagLst>
+</file>
+
+<file path=ppt/tags/tag18.xml><?xml version="1.0" encoding="utf-8"?>
+<p:tagLst xmlns:p="http://schemas.openxmlformats.org/presentationml/2006/main">
   <p:tag name="KSO_WM_TEMPLATE_CATEGORY" val="custom"/>
   <p:tag name="KSO_WM_TEMPLATE_INDEX" val="446"/>
   <p:tag name="KSO_WM_TAG_VERSION" val="1.0"/>
@@ -7361,7 +8653,7 @@
 </p:tagLst>
 </file>
 
-<file path=ppt/tags/tag17.xml><?xml version="1.0" encoding="utf-8"?>
+<file path=ppt/tags/tag19.xml><?xml version="1.0" encoding="utf-8"?>
 <p:tagLst xmlns:p="http://schemas.openxmlformats.org/presentationml/2006/main">
   <p:tag name="KSO_WM_TEMPLATE_CATEGORY" val="custom"/>
   <p:tag name="KSO_WM_TEMPLATE_INDEX" val="446"/>
@@ -7376,22 +8668,6 @@
   <p:tag name="KSO_WM_SLIDE_POSITION" val="108*201"/>
   <p:tag name="KSO_WM_SLIDE_SIZE" val="543*187"/>
   <p:tag name="KSO_WM_DIAGRAM_GROUP_CODE" val="l1-2"/>
-</p:tagLst>
-</file>
-
-<file path=ppt/tags/tag18.xml><?xml version="1.0" encoding="utf-8"?>
-<p:tagLst xmlns:p="http://schemas.openxmlformats.org/presentationml/2006/main">
-  <p:tag name="KSO_WM_BEAUTIFY_FLAG" val="#wm#"/>
-  <p:tag name="KSO_WM_TEMPLATE_CATEGORY" val="custom"/>
-  <p:tag name="KSO_WM_TEMPLATE_INDEX" val="446"/>
-</p:tagLst>
-</file>
-
-<file path=ppt/tags/tag19.xml><?xml version="1.0" encoding="utf-8"?>
-<p:tagLst xmlns:p="http://schemas.openxmlformats.org/presentationml/2006/main">
-  <p:tag name="KSO_WM_BEAUTIFY_FLAG" val="#wm#"/>
-  <p:tag name="KSO_WM_TEMPLATE_CATEGORY" val="custom"/>
-  <p:tag name="KSO_WM_TEMPLATE_INDEX" val="446"/>
 </p:tagLst>
 </file>
 
@@ -7453,35 +8729,33 @@
 
 <file path=ppt/tags/tag26.xml><?xml version="1.0" encoding="utf-8"?>
 <p:tagLst xmlns:p="http://schemas.openxmlformats.org/presentationml/2006/main">
-  <p:tag name="KSO_WM_TAG_VERSION" val="1.0"/>
   <p:tag name="KSO_WM_BEAUTIFY_FLAG" val="#wm#"/>
   <p:tag name="KSO_WM_TEMPLATE_CATEGORY" val="custom"/>
   <p:tag name="KSO_WM_TEMPLATE_INDEX" val="446"/>
-  <p:tag name="KSO_WM_UNIT_TYPE" val="a"/>
-  <p:tag name="KSO_WM_UNIT_INDEX" val="1"/>
-  <p:tag name="KSO_WM_UNIT_ID" val="custom446_29*a*1"/>
-  <p:tag name="KSO_WM_UNIT_CLEAR" val="1"/>
-  <p:tag name="KSO_WM_UNIT_LAYERLEVEL" val="1"/>
-  <p:tag name="KSO_WM_UNIT_VALUE" val="20"/>
-  <p:tag name="KSO_WM_UNIT_ISCONTENTSTITLE" val="0"/>
-  <p:tag name="KSO_WM_UNIT_HIGHLIGHT" val="0"/>
-  <p:tag name="KSO_WM_UNIT_COMPATIBLE" val="0"/>
-  <p:tag name="KSO_WM_UNIT_PRESET_TEXT" val="谢谢大家！"/>
 </p:tagLst>
 </file>
 
 <file path=ppt/tags/tag27.xml><?xml version="1.0" encoding="utf-8"?>
 <p:tagLst xmlns:p="http://schemas.openxmlformats.org/presentationml/2006/main">
+  <p:tag name="KSO_WM_BEAUTIFY_FLAG" val="#wm#"/>
   <p:tag name="KSO_WM_TEMPLATE_CATEGORY" val="custom"/>
   <p:tag name="KSO_WM_TEMPLATE_INDEX" val="446"/>
-  <p:tag name="KSO_WM_TAG_VERSION" val="1.0"/>
-  <p:tag name="KSO_WM_SLIDE_ID" val="custom446_29"/>
-  <p:tag name="KSO_WM_SLIDE_INDEX" val="29"/>
-  <p:tag name="KSO_WM_SLIDE_ITEM_CNT" val="1"/>
-  <p:tag name="KSO_WM_SLIDE_LAYOUT" val="a"/>
-  <p:tag name="KSO_WM_SLIDE_LAYOUT_CNT" val="1"/>
-  <p:tag name="KSO_WM_SLIDE_TYPE" val="endPage"/>
+</p:tagLst>
+</file>
+
+<file path=ppt/tags/tag28.xml><?xml version="1.0" encoding="utf-8"?>
+<p:tagLst xmlns:p="http://schemas.openxmlformats.org/presentationml/2006/main">
   <p:tag name="KSO_WM_BEAUTIFY_FLAG" val="#wm#"/>
+  <p:tag name="KSO_WM_TEMPLATE_CATEGORY" val="custom"/>
+  <p:tag name="KSO_WM_TEMPLATE_INDEX" val="446"/>
+</p:tagLst>
+</file>
+
+<file path=ppt/tags/tag29.xml><?xml version="1.0" encoding="utf-8"?>
+<p:tagLst xmlns:p="http://schemas.openxmlformats.org/presentationml/2006/main">
+  <p:tag name="KSO_WM_BEAUTIFY_FLAG" val="#wm#"/>
+  <p:tag name="KSO_WM_TEMPLATE_CATEGORY" val="custom"/>
+  <p:tag name="KSO_WM_TEMPLATE_INDEX" val="446"/>
 </p:tagLst>
 </file>
 
@@ -7502,6 +8776,72 @@
   <p:tag name="KSO_WM_UNIT_COMPATIBLE" val="0"/>
   <p:tag name="KSO_WM_UNIT_PRESET_TEXT_INDEX" val="3"/>
   <p:tag name="KSO_WM_UNIT_PRESET_TEXT_LEN" val="17"/>
+</p:tagLst>
+</file>
+
+<file path=ppt/tags/tag30.xml><?xml version="1.0" encoding="utf-8"?>
+<p:tagLst xmlns:p="http://schemas.openxmlformats.org/presentationml/2006/main">
+  <p:tag name="KSO_WM_BEAUTIFY_FLAG" val="#wm#"/>
+  <p:tag name="KSO_WM_TEMPLATE_CATEGORY" val="custom"/>
+  <p:tag name="KSO_WM_TEMPLATE_INDEX" val="446"/>
+</p:tagLst>
+</file>
+
+<file path=ppt/tags/tag31.xml><?xml version="1.0" encoding="utf-8"?>
+<p:tagLst xmlns:p="http://schemas.openxmlformats.org/presentationml/2006/main">
+  <p:tag name="KSO_WM_BEAUTIFY_FLAG" val="#wm#"/>
+  <p:tag name="KSO_WM_TEMPLATE_CATEGORY" val="custom"/>
+  <p:tag name="KSO_WM_TEMPLATE_INDEX" val="446"/>
+</p:tagLst>
+</file>
+
+<file path=ppt/tags/tag32.xml><?xml version="1.0" encoding="utf-8"?>
+<p:tagLst xmlns:p="http://schemas.openxmlformats.org/presentationml/2006/main">
+  <p:tag name="KSO_WM_BEAUTIFY_FLAG" val="#wm#"/>
+  <p:tag name="KSO_WM_TEMPLATE_CATEGORY" val="custom"/>
+  <p:tag name="KSO_WM_TEMPLATE_INDEX" val="446"/>
+</p:tagLst>
+</file>
+
+<file path=ppt/tags/tag33.xml><?xml version="1.0" encoding="utf-8"?>
+<p:tagLst xmlns:p="http://schemas.openxmlformats.org/presentationml/2006/main">
+  <p:tag name="KSO_WM_BEAUTIFY_FLAG" val="#wm#"/>
+  <p:tag name="KSO_WM_TEMPLATE_CATEGORY" val="custom"/>
+  <p:tag name="KSO_WM_TEMPLATE_INDEX" val="446"/>
+</p:tagLst>
+</file>
+
+<file path=ppt/tags/tag34.xml><?xml version="1.0" encoding="utf-8"?>
+<p:tagLst xmlns:p="http://schemas.openxmlformats.org/presentationml/2006/main">
+  <p:tag name="KSO_WM_TAG_VERSION" val="1.0"/>
+  <p:tag name="KSO_WM_BEAUTIFY_FLAG" val="#wm#"/>
+  <p:tag name="KSO_WM_TEMPLATE_CATEGORY" val="custom"/>
+  <p:tag name="KSO_WM_TEMPLATE_INDEX" val="446"/>
+  <p:tag name="KSO_WM_UNIT_TYPE" val="a"/>
+  <p:tag name="KSO_WM_UNIT_INDEX" val="1"/>
+  <p:tag name="KSO_WM_UNIT_ID" val="custom446_29*a*1"/>
+  <p:tag name="KSO_WM_UNIT_CLEAR" val="1"/>
+  <p:tag name="KSO_WM_UNIT_LAYERLEVEL" val="1"/>
+  <p:tag name="KSO_WM_UNIT_VALUE" val="20"/>
+  <p:tag name="KSO_WM_UNIT_ISCONTENTSTITLE" val="0"/>
+  <p:tag name="KSO_WM_UNIT_HIGHLIGHT" val="0"/>
+  <p:tag name="KSO_WM_UNIT_COMPATIBLE" val="0"/>
+  <p:tag name="KSO_WM_UNIT_PRESET_TEXT" val="谢谢大家！"/>
+</p:tagLst>
+</file>
+
+<file path=ppt/tags/tag35.xml><?xml version="1.0" encoding="utf-8"?>
+<p:tagLst xmlns:p="http://schemas.openxmlformats.org/presentationml/2006/main">
+  <p:tag name="KSO_WM_TEMPLATE_CATEGORY" val="custom"/>
+  <p:tag name="KSO_WM_TEMPLATE_INDEX" val="446"/>
+  <p:tag name="KSO_WM_TAG_VERSION" val="1.0"/>
+  <p:tag name="KSO_WM_SLIDE_ID" val="custom446_29"/>
+  <p:tag name="KSO_WM_SLIDE_INDEX" val="29"/>
+  <p:tag name="KSO_WM_SLIDE_ITEM_CNT" val="1"/>
+  <p:tag name="KSO_WM_SLIDE_LAYOUT" val="a"/>
+  <p:tag name="KSO_WM_SLIDE_LAYOUT_CNT" val="1"/>
+  <p:tag name="KSO_WM_SLIDE_TYPE" val="endPage"/>
+  <p:tag name="KSO_WM_BEAUTIFY_FLAG" val="#wm#"/>
 </p:tagLst>
 </file>
 
@@ -7855,6 +9195,8 @@
       </a:bgFillStyleLst>
     </a:fmtScheme>
   </a:themeElements>
+  <a:objectDefaults/>
+  <a:extraClrSchemeLst/>
   <a:extLst>
     <a:ext uri="{05A4C25C-085E-4340-85A3-A5531E510DB2}">
       <thm15:themeFamily xmlns:thm15="http://schemas.microsoft.com/office/thememl/2012/main" name="Office Theme" id="{62F939B6-93AF-4DB8-9C6B-D6C7DFDC589F}" vid="{4A3C46E8-61CC-4603-A589-7422A47A8E4A}"/>
@@ -8114,6 +9456,8 @@
       </a:bgFillStyleLst>
     </a:fmtScheme>
   </a:themeElements>
+  <a:objectDefaults/>
+  <a:extraClrSchemeLst/>
   <a:extLst>
     <a:ext uri="{05A4C25C-085E-4340-85A3-A5531E510DB2}">
       <thm15:themeFamily xmlns:thm15="http://schemas.microsoft.com/office/thememl/2012/main" name="Office Theme" id="{62F939B6-93AF-4DB8-9C6B-D6C7DFDC589F}" vid="{4A3C46E8-61CC-4603-A589-7422A47A8E4A}"/>

--- a/gjhDemo/git.pptx
+++ b/gjhDemo/git.pptx
@@ -5399,8 +5399,8 @@
         </p:nvGrpSpPr>
         <p:grpSpPr>
           <a:xfrm>
-            <a:off x="2119630" y="2496820"/>
-            <a:ext cx="3325495" cy="2135147"/>
+            <a:off x="2119630" y="2307590"/>
+            <a:ext cx="3325495" cy="2051685"/>
             <a:chOff x="3338" y="3932"/>
             <a:chExt cx="5355" cy="3439"/>
           </a:xfrm>
@@ -6328,15 +6328,7 @@
                     <a:srgbClr val="00B050"/>
                   </a:solidFill>
                 </a:rPr>
-                <a:t>界面化</a:t>
-              </a:r>
-              <a:r>
-                <a:rPr lang="zh-CN" altLang="en-US" sz="1800" b="1" dirty="0">
-                  <a:solidFill>
-                    <a:srgbClr val="00B050"/>
-                  </a:solidFill>
-                </a:rPr>
-                <a:t>工具</a:t>
+                <a:t>界面化工具</a:t>
               </a:r>
               <a:r>
                 <a:rPr lang="en-US" altLang="zh-CN" sz="1800" b="1" dirty="0">
@@ -6584,8 +6576,8 @@
         </p:nvSpPr>
         <p:spPr>
           <a:xfrm>
-            <a:off x="2118995" y="4762500"/>
-            <a:ext cx="298450" cy="339090"/>
+            <a:off x="2119630" y="4613910"/>
+            <a:ext cx="332105" cy="339090"/>
           </a:xfrm>
           <a:prstGeom prst="cube">
             <a:avLst/>
@@ -6645,7 +6637,7 @@
         </p:nvSpPr>
         <p:spPr>
           <a:xfrm>
-            <a:off x="2563650" y="4754072"/>
+            <a:off x="2563650" y="4596592"/>
             <a:ext cx="2471300" cy="356220"/>
           </a:xfrm>
           <a:prstGeom prst="rect">
